--- a/9.Deep_learning/cv/computer_vision.pptx
+++ b/9.Deep_learning/cv/computer_vision.pptx
@@ -5,31 +5,39 @@
     <p:sldMasterId id="2147483648" r:id="rId1"/>
   </p:sldMasterIdLst>
   <p:notesMasterIdLst>
-    <p:notesMasterId r:id="rId25"/>
+    <p:notesMasterId r:id="rId33"/>
   </p:notesMasterIdLst>
   <p:sldIdLst>
     <p:sldId id="368" r:id="rId3"/>
-    <p:sldId id="391" r:id="rId4"/>
-    <p:sldId id="392" r:id="rId5"/>
-    <p:sldId id="277" r:id="rId6"/>
-    <p:sldId id="278" r:id="rId7"/>
-    <p:sldId id="393" r:id="rId8"/>
-    <p:sldId id="399" r:id="rId9"/>
-    <p:sldId id="400" r:id="rId10"/>
-    <p:sldId id="401" r:id="rId11"/>
-    <p:sldId id="402" r:id="rId12"/>
-    <p:sldId id="403" r:id="rId13"/>
-    <p:sldId id="404" r:id="rId14"/>
-    <p:sldId id="405" r:id="rId15"/>
-    <p:sldId id="394" r:id="rId16"/>
-    <p:sldId id="395" r:id="rId17"/>
-    <p:sldId id="396" r:id="rId18"/>
-    <p:sldId id="397" r:id="rId19"/>
-    <p:sldId id="398" r:id="rId20"/>
-    <p:sldId id="406" r:id="rId21"/>
-    <p:sldId id="407" r:id="rId22"/>
-    <p:sldId id="408" r:id="rId23"/>
-    <p:sldId id="409" r:id="rId24"/>
+    <p:sldId id="411" r:id="rId4"/>
+    <p:sldId id="412" r:id="rId5"/>
+    <p:sldId id="410" r:id="rId6"/>
+    <p:sldId id="391" r:id="rId7"/>
+    <p:sldId id="392" r:id="rId8"/>
+    <p:sldId id="277" r:id="rId9"/>
+    <p:sldId id="278" r:id="rId10"/>
+    <p:sldId id="393" r:id="rId11"/>
+    <p:sldId id="399" r:id="rId12"/>
+    <p:sldId id="400" r:id="rId13"/>
+    <p:sldId id="401" r:id="rId14"/>
+    <p:sldId id="402" r:id="rId15"/>
+    <p:sldId id="403" r:id="rId16"/>
+    <p:sldId id="404" r:id="rId17"/>
+    <p:sldId id="405" r:id="rId18"/>
+    <p:sldId id="394" r:id="rId19"/>
+    <p:sldId id="395" r:id="rId20"/>
+    <p:sldId id="396" r:id="rId21"/>
+    <p:sldId id="397" r:id="rId22"/>
+    <p:sldId id="398" r:id="rId23"/>
+    <p:sldId id="406" r:id="rId24"/>
+    <p:sldId id="407" r:id="rId25"/>
+    <p:sldId id="408" r:id="rId26"/>
+    <p:sldId id="409" r:id="rId27"/>
+    <p:sldId id="413" r:id="rId28"/>
+    <p:sldId id="414" r:id="rId29"/>
+    <p:sldId id="415" r:id="rId30"/>
+    <p:sldId id="416" r:id="rId31"/>
+    <p:sldId id="417" r:id="rId32"/>
   </p:sldIdLst>
   <p:sldSz cx="12192000" cy="6858000"/>
   <p:notesSz cx="6858000" cy="9144000"/>
@@ -3741,7 +3749,100 @@
         </p:nvSpPr>
         <p:spPr>
           <a:xfrm>
-            <a:off x="557530" y="3323590"/>
+            <a:off x="674370" y="2087880"/>
+            <a:ext cx="6326505" cy="368300"/>
+          </a:xfrm>
+          <a:prstGeom prst="rect">
+            <a:avLst/>
+          </a:prstGeom>
+          <a:noFill/>
+        </p:spPr>
+        <p:txBody>
+          <a:bodyPr wrap="square" rtlCol="0" anchor="t">
+            <a:spAutoFit/>
+          </a:bodyPr>
+          <a:p>
+            <a:r>
+              <a:rPr lang="en-US" altLang="en-US"/>
+              <a:t>https://www.geeksforgeeks.org/opencv-python-tutorial/</a:t>
+            </a:r>
+            <a:endParaRPr lang="en-US"/>
+          </a:p>
+        </p:txBody>
+      </p:sp>
+      <p:sp>
+        <p:nvSpPr>
+          <p:cNvPr id="6" name="Text Box 5"/>
+          <p:cNvSpPr txBox="1"/>
+          <p:nvPr/>
+        </p:nvSpPr>
+        <p:spPr>
+          <a:xfrm>
+            <a:off x="319405" y="3608070"/>
+            <a:ext cx="6450965" cy="3138170"/>
+          </a:xfrm>
+          <a:prstGeom prst="rect">
+            <a:avLst/>
+          </a:prstGeom>
+          <a:noFill/>
+        </p:spPr>
+        <p:txBody>
+          <a:bodyPr wrap="square" rtlCol="0" anchor="t">
+            <a:spAutoFit/>
+          </a:bodyPr>
+          <a:p>
+            <a:r>
+              <a:rPr lang="en-US" altLang="en-US"/>
+              <a:t>https://www.geeksforgeeks.org/face-detection-using-python-and-opencv-with-webcam/</a:t>
+            </a:r>
+            <a:endParaRPr lang="en-US" altLang="en-US"/>
+          </a:p>
+          <a:p>
+            <a:r>
+              <a:rPr lang="en-US" altLang="en-US"/>
+              <a:t>https://www.geeksforgeeks.org/live-webcam-drawing-using-opencv/</a:t>
+            </a:r>
+            <a:endParaRPr lang="en-US" altLang="en-US"/>
+          </a:p>
+          <a:p>
+            <a:r>
+              <a:rPr lang="en-US" altLang="en-US"/>
+              <a:t>https://www.geeksforgeeks.org/transition-from-opencv-2-to-opencv-3-x/</a:t>
+            </a:r>
+            <a:endParaRPr lang="en-US" altLang="en-US"/>
+          </a:p>
+          <a:p>
+            <a:endParaRPr lang="en-US" altLang="en-US"/>
+          </a:p>
+          <a:p>
+            <a:r>
+              <a:rPr lang="en-US" altLang="en-US"/>
+              <a:t>https://www.geeksforgeeks.org/image-processing-without-opencv-python/</a:t>
+            </a:r>
+            <a:endParaRPr lang="en-US" altLang="en-US"/>
+          </a:p>
+          <a:p>
+            <a:r>
+              <a:rPr lang="en-US" altLang="en-US"/>
+              <a:t>https://www.geeksforgeeks.org/detect-and-recognize-car-license-plate-from-a-video-in-real-time/?ref=lbp</a:t>
+            </a:r>
+            <a:r>
+              <a:rPr lang="en-IN" altLang="en-US"/>
+              <a:t>  ---&gt; also OCR include</a:t>
+            </a:r>
+            <a:endParaRPr lang="en-IN" altLang="en-US"/>
+          </a:p>
+        </p:txBody>
+      </p:sp>
+      <p:sp>
+        <p:nvSpPr>
+          <p:cNvPr id="7" name="Text Box 6"/>
+          <p:cNvSpPr txBox="1"/>
+          <p:nvPr/>
+        </p:nvSpPr>
+        <p:spPr>
+          <a:xfrm>
+            <a:off x="6884035" y="6263005"/>
             <a:ext cx="6096000" cy="645160"/>
           </a:xfrm>
           <a:prstGeom prst="rect">
@@ -3756,7 +3857,65 @@
           <a:p>
             <a:r>
               <a:rPr lang="en-US" altLang="en-US"/>
-              <a:t>https://www.geeksforgeeks.org/opencv-python-tutorial/?ref=shm</a:t>
+              <a:t>https://www.geeksforgeeks.org/machine-learning-projects/?ref=lbp</a:t>
+            </a:r>
+            <a:endParaRPr lang="en-US"/>
+          </a:p>
+        </p:txBody>
+      </p:sp>
+      <p:sp>
+        <p:nvSpPr>
+          <p:cNvPr id="8" name="Text Box 7"/>
+          <p:cNvSpPr txBox="1"/>
+          <p:nvPr/>
+        </p:nvSpPr>
+        <p:spPr>
+          <a:xfrm>
+            <a:off x="674370" y="1517015"/>
+            <a:ext cx="6096000" cy="645160"/>
+          </a:xfrm>
+          <a:prstGeom prst="rect">
+            <a:avLst/>
+          </a:prstGeom>
+          <a:noFill/>
+        </p:spPr>
+        <p:txBody>
+          <a:bodyPr wrap="square" rtlCol="0" anchor="t">
+            <a:spAutoFit/>
+          </a:bodyPr>
+          <a:p>
+            <a:r>
+              <a:rPr lang="en-US" altLang="en-US"/>
+              <a:t>https://www.geeksforgeeks.org/essential-opencv-functions-to-get-started-into-computer-vision</a:t>
+            </a:r>
+            <a:endParaRPr lang="en-US"/>
+          </a:p>
+        </p:txBody>
+      </p:sp>
+      <p:sp>
+        <p:nvSpPr>
+          <p:cNvPr id="9" name="Text Box 8"/>
+          <p:cNvSpPr txBox="1"/>
+          <p:nvPr/>
+        </p:nvSpPr>
+        <p:spPr>
+          <a:xfrm>
+            <a:off x="674370" y="2479675"/>
+            <a:ext cx="6096000" cy="645160"/>
+          </a:xfrm>
+          <a:prstGeom prst="rect">
+            <a:avLst/>
+          </a:prstGeom>
+          <a:noFill/>
+        </p:spPr>
+        <p:txBody>
+          <a:bodyPr wrap="square" rtlCol="0" anchor="t">
+            <a:spAutoFit/>
+          </a:bodyPr>
+          <a:p>
+            <a:r>
+              <a:rPr lang="en-US" altLang="en-US"/>
+              <a:t>https://www.geeksforgeeks.org/getting-started-scikit-image-image-processing-python</a:t>
             </a:r>
             <a:endParaRPr lang="en-US"/>
           </a:p>
@@ -3771,6 +3930,502 @@
 </file>
 
 <file path=ppt/slides/slide10.xml><?xml version="1.0" encoding="utf-8"?>
+<p:sld xmlns:a="http://schemas.openxmlformats.org/drawingml/2006/main" xmlns:r="http://schemas.openxmlformats.org/officeDocument/2006/relationships" xmlns:p="http://schemas.openxmlformats.org/presentationml/2006/main">
+  <p:cSld>
+    <p:spTree>
+      <p:nvGrpSpPr>
+        <p:cNvPr id="1" name=""/>
+        <p:cNvGrpSpPr/>
+        <p:nvPr/>
+      </p:nvGrpSpPr>
+      <p:grpSpPr/>
+      <p:sp>
+        <p:nvSpPr>
+          <p:cNvPr id="3" name="Text Box 2"/>
+          <p:cNvSpPr txBox="1"/>
+          <p:nvPr/>
+        </p:nvSpPr>
+        <p:spPr>
+          <a:xfrm>
+            <a:off x="294640" y="231457"/>
+            <a:ext cx="5080000" cy="5663565"/>
+          </a:xfrm>
+          <a:prstGeom prst="rect">
+            <a:avLst/>
+          </a:prstGeom>
+        </p:spPr>
+        <p:txBody>
+          <a:bodyPr>
+            <a:spAutoFit/>
+          </a:bodyPr>
+          <a:p>
+            <a:pPr>
+              <a:spcAft>
+                <a:spcPct val="60000"/>
+              </a:spcAft>
+            </a:pPr>
+            <a:r>
+              <a:rPr sz="2300" b="1"/>
+              <a:t>1. What is Computer Vision?</a:t>
+            </a:r>
+            <a:endParaRPr sz="2300" b="1"/>
+          </a:p>
+          <a:p>
+            <a:pPr>
+              <a:spcAft>
+                <a:spcPct val="60000"/>
+              </a:spcAft>
+            </a:pPr>
+            <a:r>
+              <a:rPr sz="2200" b="1"/>
+              <a:t>Definition:</a:t>
+            </a:r>
+            <a:endParaRPr sz="2200" b="1"/>
+          </a:p>
+          <a:p>
+            <a:r>
+              <a:rPr sz="1600"/>
+              <a:t>Computer Vision is a field of Artificial Intelligence (AI) that enables machines to interpret and understand visual data from the world, such as images and videos. It mimics human vision by processing, analyzing, and making decisions based on visual inputs.</a:t>
+            </a:r>
+            <a:endParaRPr sz="1600"/>
+          </a:p>
+          <a:p>
+            <a:pPr>
+              <a:spcAft>
+                <a:spcPct val="60000"/>
+              </a:spcAft>
+            </a:pPr>
+            <a:r>
+              <a:rPr sz="2200" b="1"/>
+              <a:t>Example:</a:t>
+            </a:r>
+            <a:endParaRPr sz="2200" b="1"/>
+          </a:p>
+          <a:p>
+            <a:pPr>
+              <a:buFont typeface="Arial" panose="020B0604020202020204"/>
+              <a:buChar char="•"/>
+            </a:pPr>
+            <a:r>
+              <a:rPr sz="1600"/>
+              <a:t>Face recognition in smartphones.</a:t>
+            </a:r>
+            <a:endParaRPr sz="1600"/>
+          </a:p>
+          <a:p>
+            <a:pPr>
+              <a:buFont typeface="Arial" panose="020B0604020202020204"/>
+              <a:buChar char="•"/>
+            </a:pPr>
+            <a:r>
+              <a:rPr sz="1600"/>
+              <a:t>Object detection in self-driving cars.</a:t>
+            </a:r>
+            <a:endParaRPr sz="1600"/>
+          </a:p>
+          <a:p>
+            <a:pPr>
+              <a:buFont typeface="Arial" panose="020B0604020202020204"/>
+              <a:buChar char="•"/>
+            </a:pPr>
+            <a:r>
+              <a:rPr sz="1600"/>
+              <a:t>Optical Character Recognition (OCR) to extract text from images.</a:t>
+            </a:r>
+            <a:endParaRPr sz="1600"/>
+          </a:p>
+          <a:p>
+            <a:pPr>
+              <a:spcAft>
+                <a:spcPct val="60000"/>
+              </a:spcAft>
+            </a:pPr>
+            <a:r>
+              <a:rPr sz="2200" b="1"/>
+              <a:t>Key Components:</a:t>
+            </a:r>
+            <a:endParaRPr sz="2200" b="1"/>
+          </a:p>
+          <a:p>
+            <a:pPr>
+              <a:buFont typeface="Arial" panose="020B0604020202020204"/>
+              <a:buChar char="•"/>
+            </a:pPr>
+            <a:r>
+              <a:rPr sz="1600"/>
+              <a:t>Image Processing</a:t>
+            </a:r>
+            <a:endParaRPr sz="1600"/>
+          </a:p>
+          <a:p>
+            <a:pPr>
+              <a:buFont typeface="Arial" panose="020B0604020202020204"/>
+              <a:buChar char="•"/>
+            </a:pPr>
+            <a:r>
+              <a:rPr sz="1600"/>
+              <a:t>Feature Extraction</a:t>
+            </a:r>
+            <a:endParaRPr sz="1600"/>
+          </a:p>
+          <a:p>
+            <a:pPr>
+              <a:buFont typeface="Arial" panose="020B0604020202020204"/>
+              <a:buChar char="•"/>
+            </a:pPr>
+            <a:r>
+              <a:rPr sz="1600"/>
+              <a:t>Pattern Recognition</a:t>
+            </a:r>
+            <a:endParaRPr sz="1600"/>
+          </a:p>
+          <a:p>
+            <a:pPr>
+              <a:buFont typeface="Arial" panose="020B0604020202020204"/>
+              <a:buChar char="•"/>
+            </a:pPr>
+            <a:r>
+              <a:rPr sz="1600"/>
+              <a:t>Machine Learning &amp; Deep Learning</a:t>
+            </a:r>
+            <a:endParaRPr sz="1600"/>
+          </a:p>
+        </p:txBody>
+      </p:sp>
+    </p:spTree>
+  </p:cSld>
+  <p:clrMapOvr>
+    <a:masterClrMapping/>
+  </p:clrMapOvr>
+</p:sld>
+</file>
+
+<file path=ppt/slides/slide11.xml><?xml version="1.0" encoding="utf-8"?>
+<p:sld xmlns:a="http://schemas.openxmlformats.org/drawingml/2006/main" xmlns:r="http://schemas.openxmlformats.org/officeDocument/2006/relationships" xmlns:p="http://schemas.openxmlformats.org/presentationml/2006/main">
+  <p:cSld>
+    <p:spTree>
+      <p:nvGrpSpPr>
+        <p:cNvPr id="1" name=""/>
+        <p:cNvGrpSpPr/>
+        <p:nvPr/>
+      </p:nvGrpSpPr>
+      <p:grpSpPr/>
+      <p:sp>
+        <p:nvSpPr>
+          <p:cNvPr id="2" name="Text Box 1"/>
+          <p:cNvSpPr txBox="1"/>
+          <p:nvPr/>
+        </p:nvSpPr>
+        <p:spPr>
+          <a:xfrm>
+            <a:off x="429895" y="167640"/>
+            <a:ext cx="5080000" cy="3658870"/>
+          </a:xfrm>
+          <a:prstGeom prst="rect">
+            <a:avLst/>
+          </a:prstGeom>
+        </p:spPr>
+        <p:txBody>
+          <a:bodyPr>
+            <a:spAutoFit/>
+          </a:bodyPr>
+          <a:p>
+            <a:pPr>
+              <a:spcAft>
+                <a:spcPct val="60000"/>
+              </a:spcAft>
+            </a:pPr>
+            <a:r>
+              <a:rPr sz="2300" b="1"/>
+              <a:t>2. History of Computer Vision</a:t>
+            </a:r>
+            <a:endParaRPr sz="2300" b="1"/>
+          </a:p>
+          <a:p>
+            <a:pPr>
+              <a:buFont typeface="Arial" panose="020B0604020202020204"/>
+              <a:buChar char="•"/>
+            </a:pPr>
+            <a:r>
+              <a:rPr sz="1600"/>
+              <a:t>1960s: Initial research began with image processing and pattern recognition.</a:t>
+            </a:r>
+            <a:endParaRPr sz="1600"/>
+          </a:p>
+          <a:p>
+            <a:pPr>
+              <a:buFont typeface="Arial" panose="020B0604020202020204"/>
+              <a:buChar char="•"/>
+            </a:pPr>
+            <a:r>
+              <a:rPr sz="1600"/>
+              <a:t>1970s: Development of edge detection techniques like Sobel and Canny.</a:t>
+            </a:r>
+            <a:endParaRPr sz="1600"/>
+          </a:p>
+          <a:p>
+            <a:pPr>
+              <a:buFont typeface="Arial" panose="020B0604020202020204"/>
+              <a:buChar char="•"/>
+            </a:pPr>
+            <a:r>
+              <a:rPr sz="1600"/>
+              <a:t>1980s: Emergence of neural networks for image recognition.</a:t>
+            </a:r>
+            <a:endParaRPr sz="1600"/>
+          </a:p>
+          <a:p>
+            <a:pPr>
+              <a:buFont typeface="Arial" panose="020B0604020202020204"/>
+              <a:buChar char="•"/>
+            </a:pPr>
+            <a:r>
+              <a:rPr sz="1600"/>
+              <a:t>1990s: Evolution of robust feature extraction techniques like SIFT and SURF.</a:t>
+            </a:r>
+            <a:endParaRPr sz="1600"/>
+          </a:p>
+          <a:p>
+            <a:pPr>
+              <a:buFont typeface="Arial" panose="020B0604020202020204"/>
+              <a:buChar char="•"/>
+            </a:pPr>
+            <a:r>
+              <a:rPr sz="1600"/>
+              <a:t>2000s: Introduction of deep learning models like Convolutional Neural Networks (CNNs).</a:t>
+            </a:r>
+            <a:endParaRPr sz="1600"/>
+          </a:p>
+          <a:p>
+            <a:pPr>
+              <a:buFont typeface="Arial" panose="020B0604020202020204"/>
+              <a:buChar char="•"/>
+            </a:pPr>
+            <a:r>
+              <a:rPr sz="1600"/>
+              <a:t>2010s-Present: Advances in AI, deep learning, and frameworks like OpenCV, TensorFlow, and PyTorch.</a:t>
+            </a:r>
+            <a:endParaRPr sz="1600"/>
+          </a:p>
+        </p:txBody>
+      </p:sp>
+    </p:spTree>
+  </p:cSld>
+  <p:clrMapOvr>
+    <a:masterClrMapping/>
+  </p:clrMapOvr>
+</p:sld>
+</file>
+
+<file path=ppt/slides/slide12.xml><?xml version="1.0" encoding="utf-8"?>
+<p:sld xmlns:a="http://schemas.openxmlformats.org/drawingml/2006/main" xmlns:r="http://schemas.openxmlformats.org/officeDocument/2006/relationships" xmlns:p="http://schemas.openxmlformats.org/presentationml/2006/main">
+  <p:cSld>
+    <p:spTree>
+      <p:nvGrpSpPr>
+        <p:cNvPr id="1" name=""/>
+        <p:cNvGrpSpPr/>
+        <p:nvPr/>
+      </p:nvGrpSpPr>
+      <p:grpSpPr/>
+      <p:sp>
+        <p:nvSpPr>
+          <p:cNvPr id="2" name="Text Box 1"/>
+          <p:cNvSpPr txBox="1"/>
+          <p:nvPr/>
+        </p:nvSpPr>
+        <p:spPr>
+          <a:xfrm>
+            <a:off x="356870" y="175578"/>
+            <a:ext cx="5080000" cy="5525135"/>
+          </a:xfrm>
+          <a:prstGeom prst="rect">
+            <a:avLst/>
+          </a:prstGeom>
+        </p:spPr>
+        <p:txBody>
+          <a:bodyPr>
+            <a:spAutoFit/>
+          </a:bodyPr>
+          <a:p>
+            <a:pPr>
+              <a:spcAft>
+                <a:spcPct val="60000"/>
+              </a:spcAft>
+            </a:pPr>
+            <a:r>
+              <a:rPr sz="2300" b="1"/>
+              <a:t>3. Tools &amp; Technology Used in Computer Vision</a:t>
+            </a:r>
+            <a:endParaRPr sz="2300" b="1"/>
+          </a:p>
+          <a:p>
+            <a:pPr>
+              <a:spcAft>
+                <a:spcPct val="60000"/>
+              </a:spcAft>
+            </a:pPr>
+            <a:r>
+              <a:rPr sz="2200" b="1"/>
+              <a:t>Programming Languages:</a:t>
+            </a:r>
+            <a:endParaRPr sz="2200" b="1"/>
+          </a:p>
+          <a:p>
+            <a:pPr>
+              <a:buFont typeface="Arial" panose="020B0604020202020204"/>
+              <a:buChar char="•"/>
+            </a:pPr>
+            <a:r>
+              <a:rPr sz="1600"/>
+              <a:t>Python (Most popular)</a:t>
+            </a:r>
+            <a:endParaRPr sz="1600"/>
+          </a:p>
+          <a:p>
+            <a:pPr>
+              <a:buFont typeface="Arial" panose="020B0604020202020204"/>
+              <a:buChar char="•"/>
+            </a:pPr>
+            <a:r>
+              <a:rPr sz="1600"/>
+              <a:t>C++</a:t>
+            </a:r>
+            <a:endParaRPr sz="1600"/>
+          </a:p>
+          <a:p>
+            <a:pPr>
+              <a:buFont typeface="Arial" panose="020B0604020202020204"/>
+              <a:buChar char="•"/>
+            </a:pPr>
+            <a:r>
+              <a:rPr sz="1600"/>
+              <a:t>MATLAB</a:t>
+            </a:r>
+            <a:endParaRPr sz="1600"/>
+          </a:p>
+          <a:p>
+            <a:pPr>
+              <a:buFont typeface="Arial" panose="020B0604020202020204"/>
+              <a:buChar char="•"/>
+            </a:pPr>
+            <a:r>
+              <a:rPr sz="1600"/>
+              <a:t>Java</a:t>
+            </a:r>
+            <a:endParaRPr sz="1600"/>
+          </a:p>
+          <a:p>
+            <a:pPr>
+              <a:spcAft>
+                <a:spcPct val="60000"/>
+              </a:spcAft>
+            </a:pPr>
+            <a:r>
+              <a:rPr sz="2200" b="1"/>
+              <a:t>Libraries &amp; Frameworks:</a:t>
+            </a:r>
+            <a:endParaRPr sz="2200" b="1"/>
+          </a:p>
+          <a:p>
+            <a:pPr>
+              <a:buFont typeface="Arial" panose="020B0604020202020204"/>
+              <a:buChar char="•"/>
+            </a:pPr>
+            <a:r>
+              <a:rPr sz="1600"/>
+              <a:t>OpenCV: Image processing and computer vision tasks.</a:t>
+            </a:r>
+            <a:endParaRPr sz="1600"/>
+          </a:p>
+          <a:p>
+            <a:pPr>
+              <a:buFont typeface="Arial" panose="020B0604020202020204"/>
+              <a:buChar char="•"/>
+            </a:pPr>
+            <a:r>
+              <a:rPr sz="1600"/>
+              <a:t>TensorFlow/Keras: Deep learning-based vision models.</a:t>
+            </a:r>
+            <a:endParaRPr sz="1600"/>
+          </a:p>
+          <a:p>
+            <a:pPr>
+              <a:buFont typeface="Arial" panose="020B0604020202020204"/>
+              <a:buChar char="•"/>
+            </a:pPr>
+            <a:r>
+              <a:rPr sz="1600"/>
+              <a:t>PyTorch: Neural network training and deployment.</a:t>
+            </a:r>
+            <a:endParaRPr sz="1600"/>
+          </a:p>
+          <a:p>
+            <a:pPr>
+              <a:buFont typeface="Arial" panose="020B0604020202020204"/>
+              <a:buChar char="•"/>
+            </a:pPr>
+            <a:r>
+              <a:rPr sz="1600"/>
+              <a:t>Dlib: Facial recognition and feature extraction.</a:t>
+            </a:r>
+            <a:endParaRPr sz="1600"/>
+          </a:p>
+          <a:p>
+            <a:pPr>
+              <a:spcAft>
+                <a:spcPct val="60000"/>
+              </a:spcAft>
+            </a:pPr>
+            <a:r>
+              <a:rPr sz="2200" b="1"/>
+              <a:t>Hardware:</a:t>
+            </a:r>
+            <a:endParaRPr sz="2200" b="1"/>
+          </a:p>
+          <a:p>
+            <a:pPr>
+              <a:buFont typeface="Arial" panose="020B0604020202020204"/>
+              <a:buChar char="•"/>
+            </a:pPr>
+            <a:r>
+              <a:rPr sz="1600"/>
+              <a:t>GPUs (for deep learning models)</a:t>
+            </a:r>
+            <a:endParaRPr sz="1600"/>
+          </a:p>
+          <a:p>
+            <a:pPr>
+              <a:buFont typeface="Arial" panose="020B0604020202020204"/>
+              <a:buChar char="•"/>
+            </a:pPr>
+            <a:r>
+              <a:rPr sz="1600"/>
+              <a:t>Edge devices (NVIDIA Jetson, Raspberry Pi)</a:t>
+            </a:r>
+            <a:endParaRPr sz="1600"/>
+          </a:p>
+          <a:p>
+            <a:pPr>
+              <a:buFont typeface="Arial" panose="020B0604020202020204"/>
+              <a:buChar char="•"/>
+            </a:pPr>
+            <a:r>
+              <a:rPr sz="1600"/>
+              <a:t>Cameras (RGB, infrared, depth cameras)</a:t>
+            </a:r>
+            <a:endParaRPr sz="1600"/>
+          </a:p>
+        </p:txBody>
+      </p:sp>
+    </p:spTree>
+  </p:cSld>
+  <p:clrMapOvr>
+    <a:masterClrMapping/>
+  </p:clrMapOvr>
+</p:sld>
+</file>
+
+<file path=ppt/slides/slide13.xml><?xml version="1.0" encoding="utf-8"?>
 <p:sld xmlns:a="http://schemas.openxmlformats.org/drawingml/2006/main" xmlns:r="http://schemas.openxmlformats.org/officeDocument/2006/relationships" xmlns:p="http://schemas.openxmlformats.org/presentationml/2006/main">
   <p:cSld>
     <p:spTree>
@@ -3893,7 +4548,7 @@
 </p:sld>
 </file>
 
-<file path=ppt/slides/slide11.xml><?xml version="1.0" encoding="utf-8"?>
+<file path=ppt/slides/slide14.xml><?xml version="1.0" encoding="utf-8"?>
 <p:sld xmlns:a="http://schemas.openxmlformats.org/drawingml/2006/main" xmlns:r="http://schemas.openxmlformats.org/officeDocument/2006/relationships" xmlns:p="http://schemas.openxmlformats.org/presentationml/2006/main">
   <p:cSld>
     <p:spTree>
@@ -4019,7 +4674,7 @@
 </p:sld>
 </file>
 
-<file path=ppt/slides/slide12.xml><?xml version="1.0" encoding="utf-8"?>
+<file path=ppt/slides/slide15.xml><?xml version="1.0" encoding="utf-8"?>
 <p:sld xmlns:a="http://schemas.openxmlformats.org/drawingml/2006/main" xmlns:r="http://schemas.openxmlformats.org/officeDocument/2006/relationships" xmlns:p="http://schemas.openxmlformats.org/presentationml/2006/main">
   <p:cSld>
     <p:spTree>
@@ -4387,7 +5042,7 @@
 </p:sld>
 </file>
 
-<file path=ppt/slides/slide13.xml><?xml version="1.0" encoding="utf-8"?>
+<file path=ppt/slides/slide16.xml><?xml version="1.0" encoding="utf-8"?>
 <p:sld xmlns:a="http://schemas.openxmlformats.org/drawingml/2006/main" xmlns:r="http://schemas.openxmlformats.org/officeDocument/2006/relationships" xmlns:p="http://schemas.openxmlformats.org/presentationml/2006/main">
   <p:cSld>
     <p:spTree>
@@ -4620,7 +5275,7 @@
 </p:sld>
 </file>
 
-<file path=ppt/slides/slide14.xml><?xml version="1.0" encoding="utf-8"?>
+<file path=ppt/slides/slide17.xml><?xml version="1.0" encoding="utf-8"?>
 <p:sld xmlns:a="http://schemas.openxmlformats.org/drawingml/2006/main" xmlns:r="http://schemas.openxmlformats.org/officeDocument/2006/relationships" xmlns:p="http://schemas.openxmlformats.org/presentationml/2006/main">
   <p:cSld>
     <p:spTree>
@@ -5548,7 +6203,7 @@
 </p:sld>
 </file>
 
-<file path=ppt/slides/slide15.xml><?xml version="1.0" encoding="utf-8"?>
+<file path=ppt/slides/slide18.xml><?xml version="1.0" encoding="utf-8"?>
 <p:sld xmlns:a="http://schemas.openxmlformats.org/drawingml/2006/main" xmlns:r="http://schemas.openxmlformats.org/officeDocument/2006/relationships" xmlns:p="http://schemas.openxmlformats.org/presentationml/2006/main">
   <p:cSld>
     <p:spTree>
@@ -6404,7 +7059,7 @@
 </p:sld>
 </file>
 
-<file path=ppt/slides/slide16.xml><?xml version="1.0" encoding="utf-8"?>
+<file path=ppt/slides/slide19.xml><?xml version="1.0" encoding="utf-8"?>
 <p:sld xmlns:a="http://schemas.openxmlformats.org/drawingml/2006/main" xmlns:r="http://schemas.openxmlformats.org/officeDocument/2006/relationships" xmlns:p="http://schemas.openxmlformats.org/presentationml/2006/main">
   <p:cSld>
     <p:spTree>
@@ -7266,7 +7921,123 @@
 </p:sld>
 </file>
 
-<file path=ppt/slides/slide17.xml><?xml version="1.0" encoding="utf-8"?>
+<file path=ppt/slides/slide2.xml><?xml version="1.0" encoding="utf-8"?>
+<p:sld xmlns:a="http://schemas.openxmlformats.org/drawingml/2006/main" xmlns:r="http://schemas.openxmlformats.org/officeDocument/2006/relationships" xmlns:p="http://schemas.openxmlformats.org/presentationml/2006/main">
+  <p:cSld>
+    <p:spTree>
+      <p:nvGrpSpPr>
+        <p:cNvPr id="1" name=""/>
+        <p:cNvGrpSpPr/>
+        <p:nvPr/>
+      </p:nvGrpSpPr>
+      <p:grpSpPr/>
+      <p:sp>
+        <p:nvSpPr>
+          <p:cNvPr id="2" name="Text Box 1"/>
+          <p:cNvSpPr txBox="1"/>
+          <p:nvPr/>
+        </p:nvSpPr>
+        <p:spPr>
+          <a:xfrm>
+            <a:off x="2557145" y="1339850"/>
+            <a:ext cx="6096000" cy="645160"/>
+          </a:xfrm>
+          <a:prstGeom prst="rect">
+            <a:avLst/>
+          </a:prstGeom>
+          <a:noFill/>
+        </p:spPr>
+        <p:txBody>
+          <a:bodyPr wrap="square" rtlCol="0" anchor="t">
+            <a:spAutoFit/>
+          </a:bodyPr>
+          <a:p>
+            <a:r>
+              <a:rPr lang="en-US" altLang="en-US"/>
+              <a:t>https://www.geeksforgeeks.org/top-python-libraries-for-image-processing/?ref=ml_lbp</a:t>
+            </a:r>
+            <a:endParaRPr lang="en-US"/>
+          </a:p>
+        </p:txBody>
+      </p:sp>
+      <p:sp>
+        <p:nvSpPr>
+          <p:cNvPr id="3" name="Text Box 2"/>
+          <p:cNvSpPr txBox="1"/>
+          <p:nvPr/>
+        </p:nvSpPr>
+        <p:spPr>
+          <a:xfrm>
+            <a:off x="3048000" y="3106420"/>
+            <a:ext cx="6096000" cy="3969385"/>
+          </a:xfrm>
+          <a:prstGeom prst="rect">
+            <a:avLst/>
+          </a:prstGeom>
+          <a:noFill/>
+        </p:spPr>
+        <p:txBody>
+          <a:bodyPr wrap="square" rtlCol="0" anchor="t">
+            <a:spAutoFit/>
+          </a:bodyPr>
+          <a:p>
+            <a:r>
+              <a:rPr lang="en-US" altLang="en-US"/>
+              <a:t>https://www.geeksforgeeks.org/image-processing-with-keras-in-python/?ref=ml_lbp</a:t>
+            </a:r>
+            <a:endParaRPr lang="en-US" altLang="en-US"/>
+          </a:p>
+          <a:p>
+            <a:endParaRPr lang="en-US"/>
+          </a:p>
+          <a:p>
+            <a:r>
+              <a:rPr lang="en-US" altLang="en-US"/>
+              <a:t>https://www.geeksforgeeks.org/getting-started-scikit-image-image-processing-python/?ref=ml_lbp</a:t>
+            </a:r>
+            <a:endParaRPr lang="en-US" altLang="en-US"/>
+          </a:p>
+          <a:p>
+            <a:endParaRPr lang="en-US" altLang="en-US"/>
+          </a:p>
+          <a:p>
+            <a:r>
+              <a:rPr lang="en-US" altLang="en-US"/>
+              <a:t>https://www.geeksforgeeks.org/how-to-convert-images-to-numpy-array/?ref=lbp</a:t>
+            </a:r>
+            <a:endParaRPr lang="en-US" altLang="en-US"/>
+          </a:p>
+          <a:p>
+            <a:endParaRPr lang="en-US" altLang="en-US"/>
+          </a:p>
+          <a:p>
+            <a:r>
+              <a:rPr lang="en-US" altLang="en-US"/>
+              <a:t>https://www.geeksforgeeks.org/how-to-convert-an-image-to-numpy-array-and-saveit-to-csv-file-using-python/?ref=lbp</a:t>
+            </a:r>
+            <a:endParaRPr lang="en-US" altLang="en-US"/>
+          </a:p>
+          <a:p>
+            <a:r>
+              <a:rPr lang="en-US" altLang="en-US"/>
+              <a:t>https://www.geeksforgeeks.org/convert-a-numpy-array-to-an-image/?ref=lbp</a:t>
+            </a:r>
+            <a:endParaRPr lang="en-US" altLang="en-US"/>
+          </a:p>
+          <a:p>
+            <a:endParaRPr lang="en-US" altLang="en-US"/>
+          </a:p>
+        </p:txBody>
+      </p:sp>
+    </p:spTree>
+  </p:cSld>
+  <p:clrMapOvr>
+    <a:masterClrMapping/>
+  </p:clrMapOvr>
+</p:sld>
+</file>
+
+<file path=ppt/slides/slide20.xml><?xml version="1.0" encoding="utf-8"?>
 <p:sld xmlns:a="http://schemas.openxmlformats.org/drawingml/2006/main" xmlns:r="http://schemas.openxmlformats.org/officeDocument/2006/relationships" xmlns:p="http://schemas.openxmlformats.org/presentationml/2006/main">
   <p:cSld>
     <p:spTree>
@@ -8046,7 +8817,7 @@
 </p:sld>
 </file>
 
-<file path=ppt/slides/slide18.xml><?xml version="1.0" encoding="utf-8"?>
+<file path=ppt/slides/slide21.xml><?xml version="1.0" encoding="utf-8"?>
 <p:sld xmlns:a="http://schemas.openxmlformats.org/drawingml/2006/main" xmlns:r="http://schemas.openxmlformats.org/officeDocument/2006/relationships" xmlns:p="http://schemas.openxmlformats.org/presentationml/2006/main">
   <p:cSld>
     <p:spTree>
@@ -8217,7 +8988,7 @@
 </p:sld>
 </file>
 
-<file path=ppt/slides/slide19.xml><?xml version="1.0" encoding="utf-8"?>
+<file path=ppt/slides/slide22.xml><?xml version="1.0" encoding="utf-8"?>
 <p:sld xmlns:a="http://schemas.openxmlformats.org/drawingml/2006/main" xmlns:r="http://schemas.openxmlformats.org/officeDocument/2006/relationships" xmlns:p="http://schemas.openxmlformats.org/presentationml/2006/main">
   <p:cSld>
     <p:spTree>
@@ -8564,1207 +9335,7 @@
 </p:sld>
 </file>
 
-<file path=ppt/slides/slide2.xml><?xml version="1.0" encoding="utf-8"?>
-<p:sld xmlns:a="http://schemas.openxmlformats.org/drawingml/2006/main" xmlns:r="http://schemas.openxmlformats.org/officeDocument/2006/relationships" xmlns:p="http://schemas.openxmlformats.org/presentationml/2006/main">
-  <p:cSld>
-    <p:spTree>
-      <p:nvGrpSpPr>
-        <p:cNvPr id="1" name=""/>
-        <p:cNvGrpSpPr/>
-        <p:nvPr/>
-      </p:nvGrpSpPr>
-      <p:grpSpPr/>
-      <p:sp>
-        <p:nvSpPr>
-          <p:cNvPr id="2" name="Text Box 1"/>
-          <p:cNvSpPr txBox="1"/>
-          <p:nvPr/>
-        </p:nvSpPr>
-        <p:spPr>
-          <a:xfrm>
-            <a:off x="6216650" y="2032953"/>
-            <a:ext cx="5080000" cy="1524635"/>
-          </a:xfrm>
-          <a:prstGeom prst="rect">
-            <a:avLst/>
-          </a:prstGeom>
-        </p:spPr>
-        <p:txBody>
-          <a:bodyPr>
-            <a:spAutoFit/>
-          </a:bodyPr>
-          <a:p>
-            <a:pPr marL="0" indent="0">
-              <a:spcBef>
-                <a:spcPts val="1000"/>
-              </a:spcBef>
-              <a:spcAft>
-                <a:spcPts val="500"/>
-              </a:spcAft>
-            </a:pPr>
-            <a:r>
-              <a:rPr sz="2500" b="0" i="0">
-                <a:solidFill>
-                  <a:srgbClr val="333333"/>
-                </a:solidFill>
-                <a:latin typeface="Tomorrow"/>
-                <a:ea typeface="Tomorrow"/>
-              </a:rPr>
-              <a:t>OCR Engine  </a:t>
-            </a:r>
-            <a:endParaRPr sz="2500" b="0" i="0">
-              <a:solidFill>
-                <a:srgbClr val="333333"/>
-              </a:solidFill>
-              <a:latin typeface="Tomorrow"/>
-              <a:ea typeface="Tomorrow"/>
-            </a:endParaRPr>
-          </a:p>
-          <a:p>
-            <a:pPr marL="0" indent="0">
-              <a:spcBef>
-                <a:spcPct val="0"/>
-              </a:spcBef>
-              <a:spcAft>
-                <a:spcPct val="0"/>
-              </a:spcAft>
-            </a:pPr>
-            <a:r>
-              <a:rPr sz="1600" b="0" i="0">
-                <a:solidFill>
-                  <a:srgbClr val="333333"/>
-                </a:solidFill>
-                <a:latin typeface="Tomorrow"/>
-                <a:ea typeface="Tomorrow"/>
-              </a:rPr>
-              <a:t>Introduction to Pytesseract</a:t>
-            </a:r>
-            <a:endParaRPr sz="1600" b="0" i="0">
-              <a:solidFill>
-                <a:srgbClr val="333333"/>
-              </a:solidFill>
-              <a:latin typeface="Tomorrow"/>
-              <a:ea typeface="Tomorrow"/>
-            </a:endParaRPr>
-          </a:p>
-          <a:p>
-            <a:pPr marL="0" indent="0">
-              <a:spcBef>
-                <a:spcPct val="0"/>
-              </a:spcBef>
-              <a:spcAft>
-                <a:spcPct val="0"/>
-              </a:spcAft>
-            </a:pPr>
-            <a:r>
-              <a:rPr sz="1600" b="0" i="0">
-                <a:solidFill>
-                  <a:srgbClr val="333333"/>
-                </a:solidFill>
-                <a:latin typeface="Tomorrow"/>
-                <a:ea typeface="Tomorrow"/>
-              </a:rPr>
-              <a:t>Text Recognition</a:t>
-            </a:r>
-            <a:endParaRPr sz="1600" b="0" i="0">
-              <a:solidFill>
-                <a:srgbClr val="333333"/>
-              </a:solidFill>
-              <a:latin typeface="Tomorrow"/>
-              <a:ea typeface="Tomorrow"/>
-            </a:endParaRPr>
-          </a:p>
-          <a:p>
-            <a:pPr marL="0" indent="0">
-              <a:spcBef>
-                <a:spcPct val="0"/>
-              </a:spcBef>
-              <a:spcAft>
-                <a:spcPct val="0"/>
-              </a:spcAft>
-            </a:pPr>
-            <a:r>
-              <a:rPr sz="1600" b="0" i="0">
-                <a:solidFill>
-                  <a:srgbClr val="333333"/>
-                </a:solidFill>
-                <a:latin typeface="Tomorrow"/>
-                <a:ea typeface="Tomorrow"/>
-              </a:rPr>
-              <a:t>Text Recognition from image</a:t>
-            </a:r>
-            <a:endParaRPr sz="1600" b="0" i="0">
-              <a:solidFill>
-                <a:srgbClr val="333333"/>
-              </a:solidFill>
-              <a:latin typeface="Tomorrow"/>
-              <a:ea typeface="Tomorrow"/>
-            </a:endParaRPr>
-          </a:p>
-          <a:p>
-            <a:pPr marL="0" indent="0">
-              <a:spcBef>
-                <a:spcPct val="0"/>
-              </a:spcBef>
-              <a:spcAft>
-                <a:spcPct val="0"/>
-              </a:spcAft>
-            </a:pPr>
-            <a:r>
-              <a:rPr sz="1600" b="0" i="0">
-                <a:solidFill>
-                  <a:srgbClr val="333333"/>
-                </a:solidFill>
-                <a:latin typeface="Tomorrow"/>
-                <a:ea typeface="Tomorrow"/>
-              </a:rPr>
-              <a:t>Assignment</a:t>
-            </a:r>
-            <a:endParaRPr sz="1600" b="0" i="0">
-              <a:solidFill>
-                <a:srgbClr val="333333"/>
-              </a:solidFill>
-              <a:latin typeface="Tomorrow"/>
-              <a:ea typeface="Tomorrow"/>
-            </a:endParaRPr>
-          </a:p>
-        </p:txBody>
-      </p:sp>
-      <p:sp>
-        <p:nvSpPr>
-          <p:cNvPr id="3" name="Text Box 2"/>
-          <p:cNvSpPr txBox="1"/>
-          <p:nvPr/>
-        </p:nvSpPr>
-        <p:spPr>
-          <a:xfrm>
-            <a:off x="2318385" y="369570"/>
-            <a:ext cx="4064000" cy="368300"/>
-          </a:xfrm>
-          <a:prstGeom prst="rect">
-            <a:avLst/>
-          </a:prstGeom>
-          <a:noFill/>
-        </p:spPr>
-        <p:txBody>
-          <a:bodyPr wrap="square" rtlCol="0">
-            <a:spAutoFit/>
-          </a:bodyPr>
-          <a:p>
-            <a:r>
-              <a:rPr lang="en-IN" altLang="en-US"/>
-              <a:t>OLD SYLLABUS</a:t>
-            </a:r>
-            <a:endParaRPr lang="en-IN" altLang="en-US"/>
-          </a:p>
-        </p:txBody>
-      </p:sp>
-      <p:sp>
-        <p:nvSpPr>
-          <p:cNvPr id="4" name="Text Box 3"/>
-          <p:cNvSpPr txBox="1"/>
-          <p:nvPr/>
-        </p:nvSpPr>
-        <p:spPr>
-          <a:xfrm>
-            <a:off x="899160" y="655320"/>
-            <a:ext cx="5080000" cy="4327525"/>
-          </a:xfrm>
-          <a:prstGeom prst="rect">
-            <a:avLst/>
-          </a:prstGeom>
-        </p:spPr>
-        <p:txBody>
-          <a:bodyPr>
-            <a:spAutoFit/>
-          </a:bodyPr>
-          <a:p>
-            <a:pPr marL="0" indent="0">
-              <a:spcBef>
-                <a:spcPts val="1000"/>
-              </a:spcBef>
-              <a:spcAft>
-                <a:spcPts val="500"/>
-              </a:spcAft>
-            </a:pPr>
-            <a:r>
-              <a:rPr sz="2500" b="0" i="0">
-                <a:solidFill>
-                  <a:srgbClr val="333333"/>
-                </a:solidFill>
-                <a:latin typeface="Tomorrow"/>
-                <a:ea typeface="Tomorrow"/>
-              </a:rPr>
-              <a:t>Computer Vision &amp; OpenCV  </a:t>
-            </a:r>
-            <a:endParaRPr sz="2500" b="0" i="0">
-              <a:solidFill>
-                <a:srgbClr val="333333"/>
-              </a:solidFill>
-              <a:latin typeface="Tomorrow"/>
-              <a:ea typeface="Tomorrow"/>
-            </a:endParaRPr>
-          </a:p>
-          <a:p>
-            <a:pPr marL="285750" indent="-285750">
-              <a:lnSpc>
-                <a:spcPct val="140000"/>
-              </a:lnSpc>
-              <a:spcBef>
-                <a:spcPct val="0"/>
-              </a:spcBef>
-              <a:spcAft>
-                <a:spcPct val="0"/>
-              </a:spcAft>
-              <a:buFont typeface="Arial" panose="020B0604020202020204" pitchFamily="34" charset="0"/>
-              <a:buChar char="•"/>
-            </a:pPr>
-            <a:r>
-              <a:rPr sz="1600" b="0" i="0">
-                <a:solidFill>
-                  <a:srgbClr val="333333"/>
-                </a:solidFill>
-                <a:latin typeface="Tomorrow"/>
-                <a:ea typeface="Tomorrow"/>
-              </a:rPr>
-              <a:t>What is Computer Vision</a:t>
-            </a:r>
-            <a:endParaRPr sz="1600" b="0" i="0">
-              <a:solidFill>
-                <a:srgbClr val="333333"/>
-              </a:solidFill>
-              <a:latin typeface="Tomorrow"/>
-              <a:ea typeface="Tomorrow"/>
-            </a:endParaRPr>
-          </a:p>
-          <a:p>
-            <a:pPr marL="285750" indent="-285750">
-              <a:lnSpc>
-                <a:spcPct val="140000"/>
-              </a:lnSpc>
-              <a:spcBef>
-                <a:spcPct val="0"/>
-              </a:spcBef>
-              <a:spcAft>
-                <a:spcPct val="0"/>
-              </a:spcAft>
-              <a:buFont typeface="Arial" panose="020B0604020202020204" pitchFamily="34" charset="0"/>
-              <a:buChar char="•"/>
-            </a:pPr>
-            <a:r>
-              <a:rPr sz="1600" b="0" i="0">
-                <a:solidFill>
-                  <a:srgbClr val="333333"/>
-                </a:solidFill>
-                <a:latin typeface="Tomorrow"/>
-                <a:ea typeface="Tomorrow"/>
-              </a:rPr>
-              <a:t>History of Computer Vision</a:t>
-            </a:r>
-            <a:endParaRPr sz="1600" b="0" i="0">
-              <a:solidFill>
-                <a:srgbClr val="333333"/>
-              </a:solidFill>
-              <a:latin typeface="Tomorrow"/>
-              <a:ea typeface="Tomorrow"/>
-            </a:endParaRPr>
-          </a:p>
-          <a:p>
-            <a:pPr marL="285750" indent="-285750">
-              <a:lnSpc>
-                <a:spcPct val="140000"/>
-              </a:lnSpc>
-              <a:spcBef>
-                <a:spcPct val="0"/>
-              </a:spcBef>
-              <a:spcAft>
-                <a:spcPct val="0"/>
-              </a:spcAft>
-              <a:buFont typeface="Arial" panose="020B0604020202020204" pitchFamily="34" charset="0"/>
-              <a:buChar char="•"/>
-            </a:pPr>
-            <a:r>
-              <a:rPr sz="1600" b="0" i="0">
-                <a:solidFill>
-                  <a:srgbClr val="333333"/>
-                </a:solidFill>
-                <a:latin typeface="Tomorrow"/>
-                <a:ea typeface="Tomorrow"/>
-              </a:rPr>
-              <a:t>Tools &amp; Technology used in Computer Vision</a:t>
-            </a:r>
-            <a:endParaRPr sz="1600" b="0" i="0">
-              <a:solidFill>
-                <a:srgbClr val="333333"/>
-              </a:solidFill>
-              <a:latin typeface="Tomorrow"/>
-              <a:ea typeface="Tomorrow"/>
-            </a:endParaRPr>
-          </a:p>
-          <a:p>
-            <a:pPr marL="285750" indent="-285750">
-              <a:lnSpc>
-                <a:spcPct val="140000"/>
-              </a:lnSpc>
-              <a:spcBef>
-                <a:spcPct val="0"/>
-              </a:spcBef>
-              <a:spcAft>
-                <a:spcPct val="0"/>
-              </a:spcAft>
-              <a:buFont typeface="Arial" panose="020B0604020202020204" pitchFamily="34" charset="0"/>
-              <a:buChar char="•"/>
-            </a:pPr>
-            <a:r>
-              <a:rPr sz="1600" b="0" i="0">
-                <a:solidFill>
-                  <a:srgbClr val="333333"/>
-                </a:solidFill>
-                <a:latin typeface="Tomorrow"/>
-                <a:ea typeface="Tomorrow"/>
-              </a:rPr>
-              <a:t>Application of Computer Vision</a:t>
-            </a:r>
-            <a:endParaRPr sz="1600" b="0" i="0">
-              <a:solidFill>
-                <a:srgbClr val="333333"/>
-              </a:solidFill>
-              <a:latin typeface="Tomorrow"/>
-              <a:ea typeface="Tomorrow"/>
-            </a:endParaRPr>
-          </a:p>
-          <a:p>
-            <a:pPr marL="285750" indent="-285750">
-              <a:lnSpc>
-                <a:spcPct val="140000"/>
-              </a:lnSpc>
-              <a:spcBef>
-                <a:spcPct val="0"/>
-              </a:spcBef>
-              <a:spcAft>
-                <a:spcPct val="0"/>
-              </a:spcAft>
-              <a:buFont typeface="Arial" panose="020B0604020202020204" pitchFamily="34" charset="0"/>
-              <a:buChar char="•"/>
-            </a:pPr>
-            <a:r>
-              <a:rPr sz="1600" b="0" i="0">
-                <a:solidFill>
-                  <a:srgbClr val="333333"/>
-                </a:solidFill>
-                <a:latin typeface="Tomorrow"/>
-                <a:ea typeface="Tomorrow"/>
-              </a:rPr>
-              <a:t>What is OpenCV</a:t>
-            </a:r>
-            <a:endParaRPr sz="1600" b="0" i="0">
-              <a:solidFill>
-                <a:srgbClr val="333333"/>
-              </a:solidFill>
-              <a:latin typeface="Tomorrow"/>
-              <a:ea typeface="Tomorrow"/>
-            </a:endParaRPr>
-          </a:p>
-          <a:p>
-            <a:pPr marL="285750" indent="-285750">
-              <a:lnSpc>
-                <a:spcPct val="140000"/>
-              </a:lnSpc>
-              <a:spcBef>
-                <a:spcPct val="0"/>
-              </a:spcBef>
-              <a:spcAft>
-                <a:spcPct val="0"/>
-              </a:spcAft>
-              <a:buFont typeface="Arial" panose="020B0604020202020204" pitchFamily="34" charset="0"/>
-              <a:buChar char="•"/>
-            </a:pPr>
-            <a:r>
-              <a:rPr sz="1600" b="0" i="0">
-                <a:solidFill>
-                  <a:srgbClr val="333333"/>
-                </a:solidFill>
-                <a:latin typeface="Tomorrow"/>
-                <a:ea typeface="Tomorrow"/>
-              </a:rPr>
-              <a:t>Installation of OpenCV</a:t>
-            </a:r>
-            <a:endParaRPr sz="1600" b="0" i="0">
-              <a:solidFill>
-                <a:srgbClr val="333333"/>
-              </a:solidFill>
-              <a:latin typeface="Tomorrow"/>
-              <a:ea typeface="Tomorrow"/>
-            </a:endParaRPr>
-          </a:p>
-          <a:p>
-            <a:pPr marL="285750" indent="-285750">
-              <a:lnSpc>
-                <a:spcPct val="140000"/>
-              </a:lnSpc>
-              <a:spcBef>
-                <a:spcPct val="0"/>
-              </a:spcBef>
-              <a:spcAft>
-                <a:spcPct val="0"/>
-              </a:spcAft>
-              <a:buFont typeface="Arial" panose="020B0604020202020204" pitchFamily="34" charset="0"/>
-              <a:buChar char="•"/>
-            </a:pPr>
-            <a:r>
-              <a:rPr sz="1600" b="0" i="0">
-                <a:solidFill>
-                  <a:srgbClr val="333333"/>
-                </a:solidFill>
-                <a:latin typeface="Tomorrow"/>
-                <a:ea typeface="Tomorrow"/>
-              </a:rPr>
-              <a:t>First program with OpenCV</a:t>
-            </a:r>
-            <a:endParaRPr sz="1600" b="0" i="0">
-              <a:solidFill>
-                <a:srgbClr val="333333"/>
-              </a:solidFill>
-              <a:latin typeface="Tomorrow"/>
-              <a:ea typeface="Tomorrow"/>
-            </a:endParaRPr>
-          </a:p>
-          <a:p>
-            <a:pPr marL="285750" indent="-285750">
-              <a:lnSpc>
-                <a:spcPct val="140000"/>
-              </a:lnSpc>
-              <a:spcBef>
-                <a:spcPct val="0"/>
-              </a:spcBef>
-              <a:spcAft>
-                <a:spcPct val="0"/>
-              </a:spcAft>
-              <a:buFont typeface="Arial" panose="020B0604020202020204" pitchFamily="34" charset="0"/>
-              <a:buChar char="•"/>
-            </a:pPr>
-            <a:r>
-              <a:rPr sz="1600" b="0" i="0">
-                <a:solidFill>
-                  <a:srgbClr val="333333"/>
-                </a:solidFill>
-                <a:latin typeface="Tomorrow"/>
-                <a:ea typeface="Tomorrow"/>
-              </a:rPr>
-              <a:t>Reading &amp; Writing Images</a:t>
-            </a:r>
-            <a:endParaRPr sz="1600" b="0" i="0">
-              <a:solidFill>
-                <a:srgbClr val="333333"/>
-              </a:solidFill>
-              <a:latin typeface="Tomorrow"/>
-              <a:ea typeface="Tomorrow"/>
-            </a:endParaRPr>
-          </a:p>
-          <a:p>
-            <a:pPr marL="285750" indent="-285750">
-              <a:lnSpc>
-                <a:spcPct val="140000"/>
-              </a:lnSpc>
-              <a:spcBef>
-                <a:spcPct val="0"/>
-              </a:spcBef>
-              <a:spcAft>
-                <a:spcPct val="0"/>
-              </a:spcAft>
-              <a:buFont typeface="Arial" panose="020B0604020202020204" pitchFamily="34" charset="0"/>
-              <a:buChar char="•"/>
-            </a:pPr>
-            <a:r>
-              <a:rPr sz="1600" b="0" i="0">
-                <a:solidFill>
-                  <a:srgbClr val="333333"/>
-                </a:solidFill>
-                <a:latin typeface="Tomorrow"/>
-                <a:ea typeface="Tomorrow"/>
-              </a:rPr>
-              <a:t>Capture Videos from Camera</a:t>
-            </a:r>
-            <a:endParaRPr sz="1600" b="0" i="0">
-              <a:solidFill>
-                <a:srgbClr val="333333"/>
-              </a:solidFill>
-              <a:latin typeface="Tomorrow"/>
-              <a:ea typeface="Tomorrow"/>
-            </a:endParaRPr>
-          </a:p>
-          <a:p>
-            <a:pPr marL="285750" indent="-285750">
-              <a:lnSpc>
-                <a:spcPct val="140000"/>
-              </a:lnSpc>
-              <a:spcBef>
-                <a:spcPct val="0"/>
-              </a:spcBef>
-              <a:spcAft>
-                <a:spcPct val="0"/>
-              </a:spcAft>
-              <a:buFont typeface="Arial" panose="020B0604020202020204" pitchFamily="34" charset="0"/>
-              <a:buChar char="•"/>
-            </a:pPr>
-            <a:r>
-              <a:rPr sz="1600" b="0" i="0">
-                <a:solidFill>
-                  <a:srgbClr val="333333"/>
-                </a:solidFill>
-                <a:latin typeface="Tomorrow"/>
-                <a:ea typeface="Tomorrow"/>
-              </a:rPr>
-              <a:t>Reading &amp; Saving Videos</a:t>
-            </a:r>
-            <a:endParaRPr sz="1600" b="0" i="0">
-              <a:solidFill>
-                <a:srgbClr val="333333"/>
-              </a:solidFill>
-              <a:latin typeface="Tomorrow"/>
-              <a:ea typeface="Tomorrow"/>
-            </a:endParaRPr>
-          </a:p>
-          <a:p>
-            <a:pPr marL="285750" indent="-285750">
-              <a:lnSpc>
-                <a:spcPct val="140000"/>
-              </a:lnSpc>
-              <a:spcBef>
-                <a:spcPct val="0"/>
-              </a:spcBef>
-              <a:spcAft>
-                <a:spcPct val="0"/>
-              </a:spcAft>
-              <a:buFont typeface="Arial" panose="020B0604020202020204" pitchFamily="34" charset="0"/>
-              <a:buChar char="•"/>
-            </a:pPr>
-            <a:r>
-              <a:rPr sz="1600" b="0" i="0">
-                <a:solidFill>
-                  <a:srgbClr val="333333"/>
-                </a:solidFill>
-                <a:latin typeface="Tomorrow"/>
-                <a:ea typeface="Tomorrow"/>
-              </a:rPr>
-              <a:t>Assignment</a:t>
-            </a:r>
-            <a:endParaRPr sz="1600" b="0" i="0">
-              <a:solidFill>
-                <a:srgbClr val="333333"/>
-              </a:solidFill>
-              <a:latin typeface="Tomorrow"/>
-              <a:ea typeface="Tomorrow"/>
-            </a:endParaRPr>
-          </a:p>
-        </p:txBody>
-      </p:sp>
-      <p:sp>
-        <p:nvSpPr>
-          <p:cNvPr id="6" name="Text Box 5"/>
-          <p:cNvSpPr txBox="1"/>
-          <p:nvPr/>
-        </p:nvSpPr>
-        <p:spPr>
-          <a:xfrm>
-            <a:off x="996950" y="4982845"/>
-            <a:ext cx="5080000" cy="1663700"/>
-          </a:xfrm>
-          <a:prstGeom prst="rect">
-            <a:avLst/>
-          </a:prstGeom>
-        </p:spPr>
-        <p:txBody>
-          <a:bodyPr>
-            <a:spAutoFit/>
-          </a:bodyPr>
-          <a:p>
-            <a:pPr marL="0" indent="0">
-              <a:spcBef>
-                <a:spcPts val="1000"/>
-              </a:spcBef>
-              <a:spcAft>
-                <a:spcPts val="500"/>
-              </a:spcAft>
-            </a:pPr>
-            <a:r>
-              <a:rPr sz="2500" b="0" i="0">
-                <a:solidFill>
-                  <a:srgbClr val="333333"/>
-                </a:solidFill>
-                <a:latin typeface="Tomorrow"/>
-                <a:ea typeface="Tomorrow"/>
-              </a:rPr>
-              <a:t>Image Classification - FACE RECOGNITION PROJECT  </a:t>
-            </a:r>
-            <a:endParaRPr sz="2500" b="0" i="0">
-              <a:solidFill>
-                <a:srgbClr val="333333"/>
-              </a:solidFill>
-              <a:latin typeface="Tomorrow"/>
-              <a:ea typeface="Tomorrow"/>
-            </a:endParaRPr>
-          </a:p>
-          <a:p>
-            <a:pPr marL="0" indent="0">
-              <a:spcBef>
-                <a:spcPct val="0"/>
-              </a:spcBef>
-              <a:spcAft>
-                <a:spcPct val="0"/>
-              </a:spcAft>
-            </a:pPr>
-            <a:r>
-              <a:rPr sz="1600" b="0" i="0">
-                <a:solidFill>
-                  <a:srgbClr val="333333"/>
-                </a:solidFill>
-                <a:latin typeface="Tomorrow"/>
-                <a:ea typeface="Tomorrow"/>
-              </a:rPr>
-              <a:t>Haar Cascade Clasifier</a:t>
-            </a:r>
-            <a:endParaRPr sz="1600" b="0" i="0">
-              <a:solidFill>
-                <a:srgbClr val="333333"/>
-              </a:solidFill>
-              <a:latin typeface="Tomorrow"/>
-              <a:ea typeface="Tomorrow"/>
-            </a:endParaRPr>
-          </a:p>
-          <a:p>
-            <a:pPr marL="0" indent="0">
-              <a:spcBef>
-                <a:spcPct val="0"/>
-              </a:spcBef>
-              <a:spcAft>
-                <a:spcPct val="0"/>
-              </a:spcAft>
-            </a:pPr>
-            <a:r>
-              <a:rPr sz="1600" b="0" i="0">
-                <a:solidFill>
-                  <a:srgbClr val="333333"/>
-                </a:solidFill>
-                <a:latin typeface="Tomorrow"/>
-                <a:ea typeface="Tomorrow"/>
-              </a:rPr>
-              <a:t>Image Classification with CNN</a:t>
-            </a:r>
-            <a:endParaRPr sz="1600" b="0" i="0">
-              <a:solidFill>
-                <a:srgbClr val="333333"/>
-              </a:solidFill>
-              <a:latin typeface="Tomorrow"/>
-              <a:ea typeface="Tomorrow"/>
-            </a:endParaRPr>
-          </a:p>
-          <a:p>
-            <a:pPr marL="0" indent="0">
-              <a:spcBef>
-                <a:spcPct val="0"/>
-              </a:spcBef>
-              <a:spcAft>
-                <a:spcPct val="0"/>
-              </a:spcAft>
-            </a:pPr>
-            <a:r>
-              <a:rPr sz="1600" b="0" i="0">
-                <a:solidFill>
-                  <a:srgbClr val="333333"/>
-                </a:solidFill>
-                <a:latin typeface="Tomorrow"/>
-                <a:ea typeface="Tomorrow"/>
-              </a:rPr>
-              <a:t>Assignment</a:t>
-            </a:r>
-            <a:endParaRPr sz="1600" b="0" i="0">
-              <a:solidFill>
-                <a:srgbClr val="333333"/>
-              </a:solidFill>
-              <a:latin typeface="Tomorrow"/>
-              <a:ea typeface="Tomorrow"/>
-            </a:endParaRPr>
-          </a:p>
-        </p:txBody>
-      </p:sp>
-      <p:sp>
-        <p:nvSpPr>
-          <p:cNvPr id="7" name="Text Box 6"/>
-          <p:cNvSpPr txBox="1"/>
-          <p:nvPr/>
-        </p:nvSpPr>
-        <p:spPr>
-          <a:xfrm>
-            <a:off x="6076950" y="369570"/>
-            <a:ext cx="5080000" cy="1663700"/>
-          </a:xfrm>
-          <a:prstGeom prst="rect">
-            <a:avLst/>
-          </a:prstGeom>
-        </p:spPr>
-        <p:txBody>
-          <a:bodyPr>
-            <a:spAutoFit/>
-          </a:bodyPr>
-          <a:p>
-            <a:pPr marL="0" indent="0">
-              <a:spcBef>
-                <a:spcPts val="1000"/>
-              </a:spcBef>
-              <a:spcAft>
-                <a:spcPts val="500"/>
-              </a:spcAft>
-            </a:pPr>
-            <a:r>
-              <a:rPr sz="2500" b="0" i="0">
-                <a:solidFill>
-                  <a:srgbClr val="333333"/>
-                </a:solidFill>
-                <a:latin typeface="Tomorrow"/>
-                <a:ea typeface="Tomorrow"/>
-              </a:rPr>
-              <a:t> Object Detection - CAR DEFECT DETECTION  </a:t>
-            </a:r>
-            <a:endParaRPr sz="2500" b="0" i="0">
-              <a:solidFill>
-                <a:srgbClr val="333333"/>
-              </a:solidFill>
-              <a:latin typeface="Tomorrow"/>
-              <a:ea typeface="Tomorrow"/>
-            </a:endParaRPr>
-          </a:p>
-          <a:p>
-            <a:pPr marL="0" indent="0">
-              <a:spcBef>
-                <a:spcPct val="0"/>
-              </a:spcBef>
-              <a:spcAft>
-                <a:spcPct val="0"/>
-              </a:spcAft>
-            </a:pPr>
-            <a:r>
-              <a:rPr sz="1600" b="0" i="0">
-                <a:solidFill>
-                  <a:srgbClr val="333333"/>
-                </a:solidFill>
-                <a:latin typeface="Tomorrow"/>
-                <a:ea typeface="Tomorrow"/>
-              </a:rPr>
-              <a:t>Template Matching</a:t>
-            </a:r>
-            <a:endParaRPr sz="1600" b="0" i="0">
-              <a:solidFill>
-                <a:srgbClr val="333333"/>
-              </a:solidFill>
-              <a:latin typeface="Tomorrow"/>
-              <a:ea typeface="Tomorrow"/>
-            </a:endParaRPr>
-          </a:p>
-          <a:p>
-            <a:pPr marL="0" indent="0">
-              <a:spcBef>
-                <a:spcPct val="0"/>
-              </a:spcBef>
-              <a:spcAft>
-                <a:spcPct val="0"/>
-              </a:spcAft>
-            </a:pPr>
-            <a:r>
-              <a:rPr sz="1600" b="0" i="0">
-                <a:solidFill>
-                  <a:srgbClr val="333333"/>
-                </a:solidFill>
-                <a:latin typeface="Tomorrow"/>
-                <a:ea typeface="Tomorrow"/>
-              </a:rPr>
-              <a:t>Edge Detection</a:t>
-            </a:r>
-            <a:endParaRPr sz="1600" b="0" i="0">
-              <a:solidFill>
-                <a:srgbClr val="333333"/>
-              </a:solidFill>
-              <a:latin typeface="Tomorrow"/>
-              <a:ea typeface="Tomorrow"/>
-            </a:endParaRPr>
-          </a:p>
-          <a:p>
-            <a:pPr marL="0" indent="0">
-              <a:spcBef>
-                <a:spcPct val="0"/>
-              </a:spcBef>
-              <a:spcAft>
-                <a:spcPct val="0"/>
-              </a:spcAft>
-            </a:pPr>
-            <a:r>
-              <a:rPr sz="1600" b="0" i="0">
-                <a:solidFill>
-                  <a:srgbClr val="333333"/>
-                </a:solidFill>
-                <a:latin typeface="Tomorrow"/>
-                <a:ea typeface="Tomorrow"/>
-              </a:rPr>
-              <a:t>Assignment</a:t>
-            </a:r>
-            <a:endParaRPr sz="1600" b="0" i="0">
-              <a:solidFill>
-                <a:srgbClr val="333333"/>
-              </a:solidFill>
-              <a:latin typeface="Tomorrow"/>
-              <a:ea typeface="Tomorrow"/>
-            </a:endParaRPr>
-          </a:p>
-        </p:txBody>
-      </p:sp>
-      <p:sp>
-        <p:nvSpPr>
-          <p:cNvPr id="5" name="Text Box 4"/>
-          <p:cNvSpPr txBox="1"/>
-          <p:nvPr/>
-        </p:nvSpPr>
-        <p:spPr>
-          <a:xfrm>
-            <a:off x="5823585" y="3558222"/>
-            <a:ext cx="5080000" cy="1771015"/>
-          </a:xfrm>
-          <a:prstGeom prst="rect">
-            <a:avLst/>
-          </a:prstGeom>
-        </p:spPr>
-        <p:txBody>
-          <a:bodyPr>
-            <a:spAutoFit/>
-          </a:bodyPr>
-          <a:p>
-            <a:pPr marL="0" indent="0">
-              <a:spcBef>
-                <a:spcPts val="1000"/>
-              </a:spcBef>
-              <a:spcAft>
-                <a:spcPts val="500"/>
-              </a:spcAft>
-            </a:pPr>
-            <a:r>
-              <a:rPr sz="2500" b="0" i="0">
-                <a:solidFill>
-                  <a:srgbClr val="333333"/>
-                </a:solidFill>
-                <a:latin typeface="Tomorrow"/>
-                <a:ea typeface="Tomorrow"/>
-              </a:rPr>
-              <a:t>Object Detection  </a:t>
-            </a:r>
-            <a:endParaRPr sz="2500" b="0" i="0">
-              <a:solidFill>
-                <a:srgbClr val="333333"/>
-              </a:solidFill>
-              <a:latin typeface="Tomorrow"/>
-              <a:ea typeface="Tomorrow"/>
-            </a:endParaRPr>
-          </a:p>
-          <a:p>
-            <a:pPr marL="0" indent="0">
-              <a:spcBef>
-                <a:spcPct val="0"/>
-              </a:spcBef>
-              <a:spcAft>
-                <a:spcPct val="0"/>
-              </a:spcAft>
-            </a:pPr>
-            <a:r>
-              <a:rPr sz="1600" b="0" i="0">
-                <a:solidFill>
-                  <a:srgbClr val="333333"/>
-                </a:solidFill>
-                <a:latin typeface="Tomorrow"/>
-                <a:ea typeface="Tomorrow"/>
-              </a:rPr>
-              <a:t>What is Object Detection</a:t>
-            </a:r>
-            <a:endParaRPr sz="1600" b="0" i="0">
-              <a:solidFill>
-                <a:srgbClr val="333333"/>
-              </a:solidFill>
-              <a:latin typeface="Tomorrow"/>
-              <a:ea typeface="Tomorrow"/>
-            </a:endParaRPr>
-          </a:p>
-          <a:p>
-            <a:pPr marL="0" indent="0">
-              <a:spcBef>
-                <a:spcPct val="0"/>
-              </a:spcBef>
-              <a:spcAft>
-                <a:spcPct val="0"/>
-              </a:spcAft>
-            </a:pPr>
-            <a:r>
-              <a:rPr sz="1600" b="0" i="0">
-                <a:solidFill>
-                  <a:srgbClr val="333333"/>
-                </a:solidFill>
-                <a:latin typeface="Tomorrow"/>
-                <a:ea typeface="Tomorrow"/>
-              </a:rPr>
-              <a:t>Object Detection using Haar Cascade</a:t>
-            </a:r>
-            <a:endParaRPr sz="1600" b="0" i="0">
-              <a:solidFill>
-                <a:srgbClr val="333333"/>
-              </a:solidFill>
-              <a:latin typeface="Tomorrow"/>
-              <a:ea typeface="Tomorrow"/>
-            </a:endParaRPr>
-          </a:p>
-          <a:p>
-            <a:pPr marL="0" indent="0">
-              <a:spcBef>
-                <a:spcPct val="0"/>
-              </a:spcBef>
-              <a:spcAft>
-                <a:spcPct val="0"/>
-              </a:spcAft>
-            </a:pPr>
-            <a:r>
-              <a:rPr sz="1600" b="0" i="0">
-                <a:solidFill>
-                  <a:srgbClr val="333333"/>
-                </a:solidFill>
-                <a:latin typeface="Tomorrow"/>
-                <a:ea typeface="Tomorrow"/>
-              </a:rPr>
-              <a:t>MobileNet SSD</a:t>
-            </a:r>
-            <a:endParaRPr sz="1600" b="0" i="0">
-              <a:solidFill>
-                <a:srgbClr val="333333"/>
-              </a:solidFill>
-              <a:latin typeface="Tomorrow"/>
-              <a:ea typeface="Tomorrow"/>
-            </a:endParaRPr>
-          </a:p>
-          <a:p>
-            <a:pPr marL="0" indent="0">
-              <a:spcBef>
-                <a:spcPct val="0"/>
-              </a:spcBef>
-              <a:spcAft>
-                <a:spcPct val="0"/>
-              </a:spcAft>
-            </a:pPr>
-            <a:r>
-              <a:rPr sz="1600" b="0" i="0">
-                <a:solidFill>
-                  <a:srgbClr val="333333"/>
-                </a:solidFill>
-                <a:latin typeface="Tomorrow"/>
-                <a:ea typeface="Tomorrow"/>
-              </a:rPr>
-              <a:t>RCNN and YOLO</a:t>
-            </a:r>
-            <a:endParaRPr sz="1600" b="0" i="0">
-              <a:solidFill>
-                <a:srgbClr val="333333"/>
-              </a:solidFill>
-              <a:latin typeface="Tomorrow"/>
-              <a:ea typeface="Tomorrow"/>
-            </a:endParaRPr>
-          </a:p>
-          <a:p>
-            <a:pPr marL="0" indent="0">
-              <a:spcBef>
-                <a:spcPct val="0"/>
-              </a:spcBef>
-              <a:spcAft>
-                <a:spcPct val="0"/>
-              </a:spcAft>
-            </a:pPr>
-            <a:r>
-              <a:rPr sz="1600" b="0" i="0">
-                <a:solidFill>
-                  <a:srgbClr val="333333"/>
-                </a:solidFill>
-                <a:latin typeface="Tomorrow"/>
-                <a:ea typeface="Tomorrow"/>
-              </a:rPr>
-              <a:t>Assignment</a:t>
-            </a:r>
-            <a:endParaRPr sz="1600" b="0" i="0">
-              <a:solidFill>
-                <a:srgbClr val="333333"/>
-              </a:solidFill>
-              <a:latin typeface="Tomorrow"/>
-              <a:ea typeface="Tomorrow"/>
-            </a:endParaRPr>
-          </a:p>
-        </p:txBody>
-      </p:sp>
-      <p:sp>
-        <p:nvSpPr>
-          <p:cNvPr id="8" name="Text Box 7"/>
-          <p:cNvSpPr txBox="1"/>
-          <p:nvPr/>
-        </p:nvSpPr>
-        <p:spPr>
-          <a:xfrm>
-            <a:off x="5733415" y="5328603"/>
-            <a:ext cx="5080000" cy="1524635"/>
-          </a:xfrm>
-          <a:prstGeom prst="rect">
-            <a:avLst/>
-          </a:prstGeom>
-        </p:spPr>
-        <p:txBody>
-          <a:bodyPr>
-            <a:spAutoFit/>
-          </a:bodyPr>
-          <a:p>
-            <a:pPr marL="0" indent="0">
-              <a:spcBef>
-                <a:spcPts val="1000"/>
-              </a:spcBef>
-              <a:spcAft>
-                <a:spcPts val="500"/>
-              </a:spcAft>
-            </a:pPr>
-            <a:r>
-              <a:rPr sz="2500" b="0" i="0">
-                <a:solidFill>
-                  <a:srgbClr val="333333"/>
-                </a:solidFill>
-                <a:latin typeface="Tomorrow"/>
-                <a:ea typeface="Tomorrow"/>
-              </a:rPr>
-              <a:t>MediaPipe  </a:t>
-            </a:r>
-            <a:endParaRPr sz="2500" b="0" i="0">
-              <a:solidFill>
-                <a:srgbClr val="333333"/>
-              </a:solidFill>
-              <a:latin typeface="Tomorrow"/>
-              <a:ea typeface="Tomorrow"/>
-            </a:endParaRPr>
-          </a:p>
-          <a:p>
-            <a:pPr marL="0" indent="0">
-              <a:spcBef>
-                <a:spcPct val="0"/>
-              </a:spcBef>
-              <a:spcAft>
-                <a:spcPct val="0"/>
-              </a:spcAft>
-            </a:pPr>
-            <a:r>
-              <a:rPr sz="1600" b="0" i="0">
-                <a:solidFill>
-                  <a:srgbClr val="333333"/>
-                </a:solidFill>
-                <a:latin typeface="Tomorrow"/>
-                <a:ea typeface="Tomorrow"/>
-              </a:rPr>
-              <a:t>Introduction to MediaPipe</a:t>
-            </a:r>
-            <a:endParaRPr sz="1600" b="0" i="0">
-              <a:solidFill>
-                <a:srgbClr val="333333"/>
-              </a:solidFill>
-              <a:latin typeface="Tomorrow"/>
-              <a:ea typeface="Tomorrow"/>
-            </a:endParaRPr>
-          </a:p>
-          <a:p>
-            <a:pPr marL="0" indent="0">
-              <a:spcBef>
-                <a:spcPct val="0"/>
-              </a:spcBef>
-              <a:spcAft>
-                <a:spcPct val="0"/>
-              </a:spcAft>
-            </a:pPr>
-            <a:r>
-              <a:rPr sz="1600" b="0" i="0">
-                <a:solidFill>
-                  <a:srgbClr val="333333"/>
-                </a:solidFill>
-                <a:latin typeface="Tomorrow"/>
-                <a:ea typeface="Tomorrow"/>
-              </a:rPr>
-              <a:t>FaceMesh</a:t>
-            </a:r>
-            <a:endParaRPr sz="1600" b="0" i="0">
-              <a:solidFill>
-                <a:srgbClr val="333333"/>
-              </a:solidFill>
-              <a:latin typeface="Tomorrow"/>
-              <a:ea typeface="Tomorrow"/>
-            </a:endParaRPr>
-          </a:p>
-          <a:p>
-            <a:pPr marL="0" indent="0">
-              <a:spcBef>
-                <a:spcPct val="0"/>
-              </a:spcBef>
-              <a:spcAft>
-                <a:spcPct val="0"/>
-              </a:spcAft>
-            </a:pPr>
-            <a:r>
-              <a:rPr sz="1600" b="0" i="0">
-                <a:solidFill>
-                  <a:srgbClr val="333333"/>
-                </a:solidFill>
-                <a:latin typeface="Tomorrow"/>
-                <a:ea typeface="Tomorrow"/>
-              </a:rPr>
-              <a:t>Hand, Pose and Holistic Models</a:t>
-            </a:r>
-            <a:endParaRPr sz="1600" b="0" i="0">
-              <a:solidFill>
-                <a:srgbClr val="333333"/>
-              </a:solidFill>
-              <a:latin typeface="Tomorrow"/>
-              <a:ea typeface="Tomorrow"/>
-            </a:endParaRPr>
-          </a:p>
-          <a:p>
-            <a:pPr marL="0" indent="0">
-              <a:spcBef>
-                <a:spcPct val="0"/>
-              </a:spcBef>
-              <a:spcAft>
-                <a:spcPct val="0"/>
-              </a:spcAft>
-            </a:pPr>
-            <a:r>
-              <a:rPr sz="1600" b="0" i="0">
-                <a:solidFill>
-                  <a:srgbClr val="333333"/>
-                </a:solidFill>
-                <a:latin typeface="Tomorrow"/>
-                <a:ea typeface="Tomorrow"/>
-              </a:rPr>
-              <a:t>Assignment</a:t>
-            </a:r>
-            <a:endParaRPr sz="1600" b="0" i="0">
-              <a:solidFill>
-                <a:srgbClr val="333333"/>
-              </a:solidFill>
-              <a:latin typeface="Tomorrow"/>
-              <a:ea typeface="Tomorrow"/>
-            </a:endParaRPr>
-          </a:p>
-        </p:txBody>
-      </p:sp>
-    </p:spTree>
-  </p:cSld>
-  <p:clrMapOvr>
-    <a:masterClrMapping/>
-  </p:clrMapOvr>
-</p:sld>
-</file>
-
-<file path=ppt/slides/slide20.xml><?xml version="1.0" encoding="utf-8"?>
+<file path=ppt/slides/slide23.xml><?xml version="1.0" encoding="utf-8"?>
 <p:sld xmlns:a="http://schemas.openxmlformats.org/drawingml/2006/main" xmlns:r="http://schemas.openxmlformats.org/officeDocument/2006/relationships" xmlns:p="http://schemas.openxmlformats.org/presentationml/2006/main">
   <p:cSld>
     <p:spTree>
@@ -9921,7 +9492,7 @@
 </p:sld>
 </file>
 
-<file path=ppt/slides/slide21.xml><?xml version="1.0" encoding="utf-8"?>
+<file path=ppt/slides/slide24.xml><?xml version="1.0" encoding="utf-8"?>
 <p:sld xmlns:a="http://schemas.openxmlformats.org/drawingml/2006/main" xmlns:r="http://schemas.openxmlformats.org/officeDocument/2006/relationships" xmlns:p="http://schemas.openxmlformats.org/presentationml/2006/main">
   <p:cSld>
     <p:spTree>
@@ -10210,7 +9781,7 @@
 </p:sld>
 </file>
 
-<file path=ppt/slides/slide22.xml><?xml version="1.0" encoding="utf-8"?>
+<file path=ppt/slides/slide25.xml><?xml version="1.0" encoding="utf-8"?>
 <p:sld xmlns:a="http://schemas.openxmlformats.org/drawingml/2006/main" xmlns:r="http://schemas.openxmlformats.org/officeDocument/2006/relationships" xmlns:p="http://schemas.openxmlformats.org/presentationml/2006/main">
   <p:cSld>
     <p:spTree>
@@ -10677,7 +10248,2710 @@
 </p:sld>
 </file>
 
+<file path=ppt/slides/slide26.xml><?xml version="1.0" encoding="utf-8"?>
+<p:sld xmlns:a="http://schemas.openxmlformats.org/drawingml/2006/main" xmlns:r="http://schemas.openxmlformats.org/officeDocument/2006/relationships" xmlns:p="http://schemas.openxmlformats.org/presentationml/2006/main">
+  <p:cSld>
+    <p:spTree>
+      <p:nvGrpSpPr>
+        <p:cNvPr id="1" name=""/>
+        <p:cNvGrpSpPr/>
+        <p:nvPr/>
+      </p:nvGrpSpPr>
+      <p:grpSpPr/>
+      <p:sp>
+        <p:nvSpPr>
+          <p:cNvPr id="2" name="Text Box 1"/>
+          <p:cNvSpPr txBox="1"/>
+          <p:nvPr/>
+        </p:nvSpPr>
+        <p:spPr>
+          <a:xfrm>
+            <a:off x="6216650" y="2032953"/>
+            <a:ext cx="5080000" cy="1524635"/>
+          </a:xfrm>
+          <a:prstGeom prst="rect">
+            <a:avLst/>
+          </a:prstGeom>
+        </p:spPr>
+        <p:txBody>
+          <a:bodyPr>
+            <a:spAutoFit/>
+          </a:bodyPr>
+          <a:p>
+            <a:pPr marL="0" indent="0">
+              <a:spcBef>
+                <a:spcPts val="1000"/>
+              </a:spcBef>
+              <a:spcAft>
+                <a:spcPts val="500"/>
+              </a:spcAft>
+            </a:pPr>
+            <a:r>
+              <a:rPr sz="2500" b="0" i="0">
+                <a:solidFill>
+                  <a:srgbClr val="333333"/>
+                </a:solidFill>
+                <a:latin typeface="Tomorrow"/>
+                <a:ea typeface="Tomorrow"/>
+              </a:rPr>
+              <a:t>OCR Engine  </a:t>
+            </a:r>
+            <a:endParaRPr sz="2500" b="0" i="0">
+              <a:solidFill>
+                <a:srgbClr val="333333"/>
+              </a:solidFill>
+              <a:latin typeface="Tomorrow"/>
+              <a:ea typeface="Tomorrow"/>
+            </a:endParaRPr>
+          </a:p>
+          <a:p>
+            <a:pPr marL="0" indent="0">
+              <a:spcBef>
+                <a:spcPct val="0"/>
+              </a:spcBef>
+              <a:spcAft>
+                <a:spcPct val="0"/>
+              </a:spcAft>
+            </a:pPr>
+            <a:r>
+              <a:rPr sz="1600" b="0" i="0">
+                <a:solidFill>
+                  <a:srgbClr val="333333"/>
+                </a:solidFill>
+                <a:latin typeface="Tomorrow"/>
+                <a:ea typeface="Tomorrow"/>
+              </a:rPr>
+              <a:t>Introduction to Pytesseract</a:t>
+            </a:r>
+            <a:endParaRPr sz="1600" b="0" i="0">
+              <a:solidFill>
+                <a:srgbClr val="333333"/>
+              </a:solidFill>
+              <a:latin typeface="Tomorrow"/>
+              <a:ea typeface="Tomorrow"/>
+            </a:endParaRPr>
+          </a:p>
+          <a:p>
+            <a:pPr marL="0" indent="0">
+              <a:spcBef>
+                <a:spcPct val="0"/>
+              </a:spcBef>
+              <a:spcAft>
+                <a:spcPct val="0"/>
+              </a:spcAft>
+            </a:pPr>
+            <a:r>
+              <a:rPr sz="1600" b="0" i="0">
+                <a:solidFill>
+                  <a:srgbClr val="333333"/>
+                </a:solidFill>
+                <a:latin typeface="Tomorrow"/>
+                <a:ea typeface="Tomorrow"/>
+              </a:rPr>
+              <a:t>Text Recognition</a:t>
+            </a:r>
+            <a:endParaRPr sz="1600" b="0" i="0">
+              <a:solidFill>
+                <a:srgbClr val="333333"/>
+              </a:solidFill>
+              <a:latin typeface="Tomorrow"/>
+              <a:ea typeface="Tomorrow"/>
+            </a:endParaRPr>
+          </a:p>
+          <a:p>
+            <a:pPr marL="0" indent="0">
+              <a:spcBef>
+                <a:spcPct val="0"/>
+              </a:spcBef>
+              <a:spcAft>
+                <a:spcPct val="0"/>
+              </a:spcAft>
+            </a:pPr>
+            <a:r>
+              <a:rPr sz="1600" b="0" i="0">
+                <a:solidFill>
+                  <a:srgbClr val="333333"/>
+                </a:solidFill>
+                <a:latin typeface="Tomorrow"/>
+                <a:ea typeface="Tomorrow"/>
+              </a:rPr>
+              <a:t>Text Recognition from image</a:t>
+            </a:r>
+            <a:endParaRPr sz="1600" b="0" i="0">
+              <a:solidFill>
+                <a:srgbClr val="333333"/>
+              </a:solidFill>
+              <a:latin typeface="Tomorrow"/>
+              <a:ea typeface="Tomorrow"/>
+            </a:endParaRPr>
+          </a:p>
+          <a:p>
+            <a:pPr marL="0" indent="0">
+              <a:spcBef>
+                <a:spcPct val="0"/>
+              </a:spcBef>
+              <a:spcAft>
+                <a:spcPct val="0"/>
+              </a:spcAft>
+            </a:pPr>
+            <a:r>
+              <a:rPr sz="1600" b="0" i="0">
+                <a:solidFill>
+                  <a:srgbClr val="333333"/>
+                </a:solidFill>
+                <a:latin typeface="Tomorrow"/>
+                <a:ea typeface="Tomorrow"/>
+              </a:rPr>
+              <a:t>Assignment</a:t>
+            </a:r>
+            <a:endParaRPr sz="1600" b="0" i="0">
+              <a:solidFill>
+                <a:srgbClr val="333333"/>
+              </a:solidFill>
+              <a:latin typeface="Tomorrow"/>
+              <a:ea typeface="Tomorrow"/>
+            </a:endParaRPr>
+          </a:p>
+        </p:txBody>
+      </p:sp>
+      <p:sp>
+        <p:nvSpPr>
+          <p:cNvPr id="7" name="Text Box 6"/>
+          <p:cNvSpPr txBox="1"/>
+          <p:nvPr/>
+        </p:nvSpPr>
+        <p:spPr>
+          <a:xfrm>
+            <a:off x="6076950" y="369570"/>
+            <a:ext cx="5080000" cy="1663700"/>
+          </a:xfrm>
+          <a:prstGeom prst="rect">
+            <a:avLst/>
+          </a:prstGeom>
+        </p:spPr>
+        <p:txBody>
+          <a:bodyPr>
+            <a:spAutoFit/>
+          </a:bodyPr>
+          <a:p>
+            <a:pPr marL="0" indent="0">
+              <a:spcBef>
+                <a:spcPts val="1000"/>
+              </a:spcBef>
+              <a:spcAft>
+                <a:spcPts val="500"/>
+              </a:spcAft>
+            </a:pPr>
+            <a:r>
+              <a:rPr sz="2500" b="0" i="0">
+                <a:solidFill>
+                  <a:srgbClr val="333333"/>
+                </a:solidFill>
+                <a:latin typeface="Tomorrow"/>
+                <a:ea typeface="Tomorrow"/>
+              </a:rPr>
+              <a:t> Object Detection - CAR DEFECT DETECTION  </a:t>
+            </a:r>
+            <a:endParaRPr sz="2500" b="0" i="0">
+              <a:solidFill>
+                <a:srgbClr val="333333"/>
+              </a:solidFill>
+              <a:latin typeface="Tomorrow"/>
+              <a:ea typeface="Tomorrow"/>
+            </a:endParaRPr>
+          </a:p>
+          <a:p>
+            <a:pPr marL="0" indent="0">
+              <a:spcBef>
+                <a:spcPct val="0"/>
+              </a:spcBef>
+              <a:spcAft>
+                <a:spcPct val="0"/>
+              </a:spcAft>
+            </a:pPr>
+            <a:r>
+              <a:rPr sz="1600" b="0" i="0">
+                <a:solidFill>
+                  <a:srgbClr val="333333"/>
+                </a:solidFill>
+                <a:latin typeface="Tomorrow"/>
+                <a:ea typeface="Tomorrow"/>
+              </a:rPr>
+              <a:t>Template Matching</a:t>
+            </a:r>
+            <a:endParaRPr sz="1600" b="0" i="0">
+              <a:solidFill>
+                <a:srgbClr val="333333"/>
+              </a:solidFill>
+              <a:latin typeface="Tomorrow"/>
+              <a:ea typeface="Tomorrow"/>
+            </a:endParaRPr>
+          </a:p>
+          <a:p>
+            <a:pPr marL="0" indent="0">
+              <a:spcBef>
+                <a:spcPct val="0"/>
+              </a:spcBef>
+              <a:spcAft>
+                <a:spcPct val="0"/>
+              </a:spcAft>
+            </a:pPr>
+            <a:r>
+              <a:rPr sz="1600" b="0" i="0">
+                <a:solidFill>
+                  <a:srgbClr val="333333"/>
+                </a:solidFill>
+                <a:latin typeface="Tomorrow"/>
+                <a:ea typeface="Tomorrow"/>
+              </a:rPr>
+              <a:t>Edge Detection</a:t>
+            </a:r>
+            <a:endParaRPr sz="1600" b="0" i="0">
+              <a:solidFill>
+                <a:srgbClr val="333333"/>
+              </a:solidFill>
+              <a:latin typeface="Tomorrow"/>
+              <a:ea typeface="Tomorrow"/>
+            </a:endParaRPr>
+          </a:p>
+          <a:p>
+            <a:pPr marL="0" indent="0">
+              <a:spcBef>
+                <a:spcPct val="0"/>
+              </a:spcBef>
+              <a:spcAft>
+                <a:spcPct val="0"/>
+              </a:spcAft>
+            </a:pPr>
+            <a:r>
+              <a:rPr sz="1600" b="0" i="0">
+                <a:solidFill>
+                  <a:srgbClr val="333333"/>
+                </a:solidFill>
+                <a:latin typeface="Tomorrow"/>
+                <a:ea typeface="Tomorrow"/>
+              </a:rPr>
+              <a:t>Assignment</a:t>
+            </a:r>
+            <a:endParaRPr sz="1600" b="0" i="0">
+              <a:solidFill>
+                <a:srgbClr val="333333"/>
+              </a:solidFill>
+              <a:latin typeface="Tomorrow"/>
+              <a:ea typeface="Tomorrow"/>
+            </a:endParaRPr>
+          </a:p>
+        </p:txBody>
+      </p:sp>
+      <p:sp>
+        <p:nvSpPr>
+          <p:cNvPr id="5" name="Text Box 4"/>
+          <p:cNvSpPr txBox="1"/>
+          <p:nvPr/>
+        </p:nvSpPr>
+        <p:spPr>
+          <a:xfrm>
+            <a:off x="5823585" y="3558222"/>
+            <a:ext cx="5080000" cy="1771015"/>
+          </a:xfrm>
+          <a:prstGeom prst="rect">
+            <a:avLst/>
+          </a:prstGeom>
+        </p:spPr>
+        <p:txBody>
+          <a:bodyPr>
+            <a:spAutoFit/>
+          </a:bodyPr>
+          <a:p>
+            <a:pPr marL="0" indent="0">
+              <a:spcBef>
+                <a:spcPts val="1000"/>
+              </a:spcBef>
+              <a:spcAft>
+                <a:spcPts val="500"/>
+              </a:spcAft>
+            </a:pPr>
+            <a:r>
+              <a:rPr sz="2500" b="0" i="0">
+                <a:solidFill>
+                  <a:srgbClr val="333333"/>
+                </a:solidFill>
+                <a:latin typeface="Tomorrow"/>
+                <a:ea typeface="Tomorrow"/>
+              </a:rPr>
+              <a:t>Object Detection  </a:t>
+            </a:r>
+            <a:endParaRPr sz="2500" b="0" i="0">
+              <a:solidFill>
+                <a:srgbClr val="333333"/>
+              </a:solidFill>
+              <a:latin typeface="Tomorrow"/>
+              <a:ea typeface="Tomorrow"/>
+            </a:endParaRPr>
+          </a:p>
+          <a:p>
+            <a:pPr marL="0" indent="0">
+              <a:spcBef>
+                <a:spcPct val="0"/>
+              </a:spcBef>
+              <a:spcAft>
+                <a:spcPct val="0"/>
+              </a:spcAft>
+            </a:pPr>
+            <a:r>
+              <a:rPr sz="1600" b="0" i="0">
+                <a:solidFill>
+                  <a:srgbClr val="333333"/>
+                </a:solidFill>
+                <a:latin typeface="Tomorrow"/>
+                <a:ea typeface="Tomorrow"/>
+              </a:rPr>
+              <a:t>What is Object Detection</a:t>
+            </a:r>
+            <a:endParaRPr sz="1600" b="0" i="0">
+              <a:solidFill>
+                <a:srgbClr val="333333"/>
+              </a:solidFill>
+              <a:latin typeface="Tomorrow"/>
+              <a:ea typeface="Tomorrow"/>
+            </a:endParaRPr>
+          </a:p>
+          <a:p>
+            <a:pPr marL="0" indent="0">
+              <a:spcBef>
+                <a:spcPct val="0"/>
+              </a:spcBef>
+              <a:spcAft>
+                <a:spcPct val="0"/>
+              </a:spcAft>
+            </a:pPr>
+            <a:r>
+              <a:rPr sz="1600" b="0" i="0">
+                <a:solidFill>
+                  <a:srgbClr val="333333"/>
+                </a:solidFill>
+                <a:latin typeface="Tomorrow"/>
+                <a:ea typeface="Tomorrow"/>
+              </a:rPr>
+              <a:t>Object Detection using Haar Cascade</a:t>
+            </a:r>
+            <a:endParaRPr sz="1600" b="0" i="0">
+              <a:solidFill>
+                <a:srgbClr val="333333"/>
+              </a:solidFill>
+              <a:latin typeface="Tomorrow"/>
+              <a:ea typeface="Tomorrow"/>
+            </a:endParaRPr>
+          </a:p>
+          <a:p>
+            <a:pPr marL="0" indent="0">
+              <a:spcBef>
+                <a:spcPct val="0"/>
+              </a:spcBef>
+              <a:spcAft>
+                <a:spcPct val="0"/>
+              </a:spcAft>
+            </a:pPr>
+            <a:r>
+              <a:rPr sz="1600" b="0" i="0">
+                <a:solidFill>
+                  <a:srgbClr val="333333"/>
+                </a:solidFill>
+                <a:latin typeface="Tomorrow"/>
+                <a:ea typeface="Tomorrow"/>
+              </a:rPr>
+              <a:t>MobileNet SSD</a:t>
+            </a:r>
+            <a:endParaRPr sz="1600" b="0" i="0">
+              <a:solidFill>
+                <a:srgbClr val="333333"/>
+              </a:solidFill>
+              <a:latin typeface="Tomorrow"/>
+              <a:ea typeface="Tomorrow"/>
+            </a:endParaRPr>
+          </a:p>
+          <a:p>
+            <a:pPr marL="0" indent="0">
+              <a:spcBef>
+                <a:spcPct val="0"/>
+              </a:spcBef>
+              <a:spcAft>
+                <a:spcPct val="0"/>
+              </a:spcAft>
+            </a:pPr>
+            <a:r>
+              <a:rPr sz="1600" b="0" i="0">
+                <a:solidFill>
+                  <a:srgbClr val="333333"/>
+                </a:solidFill>
+                <a:latin typeface="Tomorrow"/>
+                <a:ea typeface="Tomorrow"/>
+              </a:rPr>
+              <a:t>RCNN and YOLO</a:t>
+            </a:r>
+            <a:endParaRPr sz="1600" b="0" i="0">
+              <a:solidFill>
+                <a:srgbClr val="333333"/>
+              </a:solidFill>
+              <a:latin typeface="Tomorrow"/>
+              <a:ea typeface="Tomorrow"/>
+            </a:endParaRPr>
+          </a:p>
+          <a:p>
+            <a:pPr marL="0" indent="0">
+              <a:spcBef>
+                <a:spcPct val="0"/>
+              </a:spcBef>
+              <a:spcAft>
+                <a:spcPct val="0"/>
+              </a:spcAft>
+            </a:pPr>
+            <a:r>
+              <a:rPr sz="1600" b="0" i="0">
+                <a:solidFill>
+                  <a:srgbClr val="333333"/>
+                </a:solidFill>
+                <a:latin typeface="Tomorrow"/>
+                <a:ea typeface="Tomorrow"/>
+              </a:rPr>
+              <a:t>Assignment</a:t>
+            </a:r>
+            <a:endParaRPr sz="1600" b="0" i="0">
+              <a:solidFill>
+                <a:srgbClr val="333333"/>
+              </a:solidFill>
+              <a:latin typeface="Tomorrow"/>
+              <a:ea typeface="Tomorrow"/>
+            </a:endParaRPr>
+          </a:p>
+        </p:txBody>
+      </p:sp>
+      <p:sp>
+        <p:nvSpPr>
+          <p:cNvPr id="8" name="Text Box 7"/>
+          <p:cNvSpPr txBox="1"/>
+          <p:nvPr/>
+        </p:nvSpPr>
+        <p:spPr>
+          <a:xfrm>
+            <a:off x="5733415" y="5328603"/>
+            <a:ext cx="5080000" cy="1524635"/>
+          </a:xfrm>
+          <a:prstGeom prst="rect">
+            <a:avLst/>
+          </a:prstGeom>
+        </p:spPr>
+        <p:txBody>
+          <a:bodyPr>
+            <a:spAutoFit/>
+          </a:bodyPr>
+          <a:p>
+            <a:pPr marL="0" indent="0">
+              <a:spcBef>
+                <a:spcPts val="1000"/>
+              </a:spcBef>
+              <a:spcAft>
+                <a:spcPts val="500"/>
+              </a:spcAft>
+            </a:pPr>
+            <a:r>
+              <a:rPr sz="2500" b="0" i="0">
+                <a:solidFill>
+                  <a:srgbClr val="333333"/>
+                </a:solidFill>
+                <a:latin typeface="Tomorrow"/>
+                <a:ea typeface="Tomorrow"/>
+              </a:rPr>
+              <a:t>MediaPipe  </a:t>
+            </a:r>
+            <a:endParaRPr sz="2500" b="0" i="0">
+              <a:solidFill>
+                <a:srgbClr val="333333"/>
+              </a:solidFill>
+              <a:latin typeface="Tomorrow"/>
+              <a:ea typeface="Tomorrow"/>
+            </a:endParaRPr>
+          </a:p>
+          <a:p>
+            <a:pPr marL="0" indent="0">
+              <a:spcBef>
+                <a:spcPct val="0"/>
+              </a:spcBef>
+              <a:spcAft>
+                <a:spcPct val="0"/>
+              </a:spcAft>
+            </a:pPr>
+            <a:r>
+              <a:rPr sz="1600" b="0" i="0">
+                <a:solidFill>
+                  <a:srgbClr val="333333"/>
+                </a:solidFill>
+                <a:latin typeface="Tomorrow"/>
+                <a:ea typeface="Tomorrow"/>
+              </a:rPr>
+              <a:t>Introduction to MediaPipe</a:t>
+            </a:r>
+            <a:endParaRPr sz="1600" b="0" i="0">
+              <a:solidFill>
+                <a:srgbClr val="333333"/>
+              </a:solidFill>
+              <a:latin typeface="Tomorrow"/>
+              <a:ea typeface="Tomorrow"/>
+            </a:endParaRPr>
+          </a:p>
+          <a:p>
+            <a:pPr marL="0" indent="0">
+              <a:spcBef>
+                <a:spcPct val="0"/>
+              </a:spcBef>
+              <a:spcAft>
+                <a:spcPct val="0"/>
+              </a:spcAft>
+            </a:pPr>
+            <a:r>
+              <a:rPr sz="1600" b="0" i="0">
+                <a:solidFill>
+                  <a:srgbClr val="333333"/>
+                </a:solidFill>
+                <a:latin typeface="Tomorrow"/>
+                <a:ea typeface="Tomorrow"/>
+              </a:rPr>
+              <a:t>FaceMesh</a:t>
+            </a:r>
+            <a:endParaRPr sz="1600" b="0" i="0">
+              <a:solidFill>
+                <a:srgbClr val="333333"/>
+              </a:solidFill>
+              <a:latin typeface="Tomorrow"/>
+              <a:ea typeface="Tomorrow"/>
+            </a:endParaRPr>
+          </a:p>
+          <a:p>
+            <a:pPr marL="0" indent="0">
+              <a:spcBef>
+                <a:spcPct val="0"/>
+              </a:spcBef>
+              <a:spcAft>
+                <a:spcPct val="0"/>
+              </a:spcAft>
+            </a:pPr>
+            <a:r>
+              <a:rPr sz="1600" b="0" i="0">
+                <a:solidFill>
+                  <a:srgbClr val="333333"/>
+                </a:solidFill>
+                <a:latin typeface="Tomorrow"/>
+                <a:ea typeface="Tomorrow"/>
+              </a:rPr>
+              <a:t>Hand, Pose and Holistic Models</a:t>
+            </a:r>
+            <a:endParaRPr sz="1600" b="0" i="0">
+              <a:solidFill>
+                <a:srgbClr val="333333"/>
+              </a:solidFill>
+              <a:latin typeface="Tomorrow"/>
+              <a:ea typeface="Tomorrow"/>
+            </a:endParaRPr>
+          </a:p>
+          <a:p>
+            <a:pPr marL="0" indent="0">
+              <a:spcBef>
+                <a:spcPct val="0"/>
+              </a:spcBef>
+              <a:spcAft>
+                <a:spcPct val="0"/>
+              </a:spcAft>
+            </a:pPr>
+            <a:r>
+              <a:rPr sz="1600" b="0" i="0">
+                <a:solidFill>
+                  <a:srgbClr val="333333"/>
+                </a:solidFill>
+                <a:latin typeface="Tomorrow"/>
+                <a:ea typeface="Tomorrow"/>
+              </a:rPr>
+              <a:t>Assignment</a:t>
+            </a:r>
+            <a:endParaRPr sz="1600" b="0" i="0">
+              <a:solidFill>
+                <a:srgbClr val="333333"/>
+              </a:solidFill>
+              <a:latin typeface="Tomorrow"/>
+              <a:ea typeface="Tomorrow"/>
+            </a:endParaRPr>
+          </a:p>
+        </p:txBody>
+      </p:sp>
+    </p:spTree>
+  </p:cSld>
+  <p:clrMapOvr>
+    <a:masterClrMapping/>
+  </p:clrMapOvr>
+</p:sld>
+</file>
+
+<file path=ppt/slides/slide27.xml><?xml version="1.0" encoding="utf-8"?>
+<p:sld xmlns:a="http://schemas.openxmlformats.org/drawingml/2006/main" xmlns:r="http://schemas.openxmlformats.org/officeDocument/2006/relationships" xmlns:p="http://schemas.openxmlformats.org/presentationml/2006/main">
+  <p:cSld>
+    <p:spTree>
+      <p:nvGrpSpPr>
+        <p:cNvPr id="1" name=""/>
+        <p:cNvGrpSpPr/>
+        <p:nvPr/>
+      </p:nvGrpSpPr>
+      <p:grpSpPr/>
+      <p:sp>
+        <p:nvSpPr>
+          <p:cNvPr id="3" name="Text Box 2"/>
+          <p:cNvSpPr txBox="1"/>
+          <p:nvPr/>
+        </p:nvSpPr>
+        <p:spPr>
+          <a:xfrm>
+            <a:off x="789940" y="3106420"/>
+            <a:ext cx="9921240" cy="1476375"/>
+          </a:xfrm>
+          <a:prstGeom prst="rect">
+            <a:avLst/>
+          </a:prstGeom>
+          <a:noFill/>
+        </p:spPr>
+        <p:txBody>
+          <a:bodyPr wrap="square" rtlCol="0" anchor="t">
+            <a:spAutoFit/>
+          </a:bodyPr>
+          <a:p>
+            <a:r>
+              <a:rPr lang="en-US" altLang="en-US"/>
+              <a:t>https://github.com/sandesh-01/Car_Damage_detection-/blob/main/Damage_Detection_Detectron2%20(2).ipynb</a:t>
+            </a:r>
+            <a:endParaRPr lang="en-US" altLang="en-US"/>
+          </a:p>
+          <a:p>
+            <a:endParaRPr lang="en-US"/>
+          </a:p>
+          <a:p>
+            <a:r>
+              <a:rPr lang="en-US" altLang="en-US"/>
+              <a:t>https://github.com/louisyuzhe/car-damage-detector</a:t>
+            </a:r>
+            <a:endParaRPr lang="en-US" altLang="en-US"/>
+          </a:p>
+          <a:p>
+            <a:endParaRPr lang="en-US" altLang="en-US"/>
+          </a:p>
+        </p:txBody>
+      </p:sp>
+    </p:spTree>
+  </p:cSld>
+  <p:clrMapOvr>
+    <a:masterClrMapping/>
+  </p:clrMapOvr>
+</p:sld>
+</file>
+
+<file path=ppt/slides/slide28.xml><?xml version="1.0" encoding="utf-8"?>
+<p:sld xmlns:a="http://schemas.openxmlformats.org/drawingml/2006/main" xmlns:r="http://schemas.openxmlformats.org/officeDocument/2006/relationships" xmlns:p="http://schemas.openxmlformats.org/presentationml/2006/main">
+  <p:cSld>
+    <p:spTree>
+      <p:nvGrpSpPr>
+        <p:cNvPr id="1" name=""/>
+        <p:cNvGrpSpPr/>
+        <p:nvPr/>
+      </p:nvGrpSpPr>
+      <p:grpSpPr/>
+      <p:sp>
+        <p:nvSpPr>
+          <p:cNvPr id="2" name="Text Box 1"/>
+          <p:cNvSpPr txBox="1"/>
+          <p:nvPr/>
+        </p:nvSpPr>
+        <p:spPr>
+          <a:xfrm>
+            <a:off x="0" y="-635"/>
+            <a:ext cx="5677535" cy="5539105"/>
+          </a:xfrm>
+          <a:prstGeom prst="rect">
+            <a:avLst/>
+          </a:prstGeom>
+        </p:spPr>
+        <p:txBody>
+          <a:bodyPr wrap="square">
+            <a:noAutofit/>
+          </a:bodyPr>
+          <a:p>
+            <a:pPr>
+              <a:spcAft>
+                <a:spcPct val="60000"/>
+              </a:spcAft>
+            </a:pPr>
+            <a:r>
+              <a:rPr sz="2300" b="1"/>
+              <a:t>1. Template Matching</a:t>
+            </a:r>
+            <a:endParaRPr sz="2300" b="1"/>
+          </a:p>
+          <a:p>
+            <a:pPr>
+              <a:spcAft>
+                <a:spcPct val="60000"/>
+              </a:spcAft>
+            </a:pPr>
+            <a:r>
+              <a:rPr sz="2200" b="1"/>
+              <a:t>What is Template Matching?</a:t>
+            </a:r>
+            <a:endParaRPr sz="2200" b="1"/>
+          </a:p>
+          <a:p>
+            <a:r>
+              <a:rPr sz="1600"/>
+              <a:t>Template Matching is a technique in image processing where a small template image is slid over a larger image to find a match. It is used for detecting specific patterns, such as car defects.</a:t>
+            </a:r>
+            <a:endParaRPr sz="1600"/>
+          </a:p>
+          <a:p>
+            <a:pPr>
+              <a:spcAft>
+                <a:spcPct val="60000"/>
+              </a:spcAft>
+            </a:pPr>
+            <a:r>
+              <a:rPr sz="2200" b="1"/>
+              <a:t>Steps for Template Matching</a:t>
+            </a:r>
+            <a:endParaRPr sz="2200" b="1"/>
+          </a:p>
+          <a:p>
+            <a:pPr>
+              <a:buAutoNum type="arabicPeriod"/>
+            </a:pPr>
+            <a:r>
+              <a:rPr sz="1600"/>
+              <a:t>Install OpenCV</a:t>
+            </a:r>
+            <a:endParaRPr sz="1600"/>
+          </a:p>
+          <a:p>
+            <a:r>
+              <a:rPr sz="1600"/>
+              <a:t>pip install opencv-python</a:t>
+            </a:r>
+            <a:endParaRPr sz="1600"/>
+          </a:p>
+          <a:p>
+            <a:endParaRPr sz="1600"/>
+          </a:p>
+          <a:p>
+            <a:pPr>
+              <a:buAutoNum type="arabicPeriod"/>
+            </a:pPr>
+            <a:r>
+              <a:rPr sz="1600"/>
+              <a:t>Load the Car Image and Template</a:t>
+            </a:r>
+            <a:endParaRPr sz="1600"/>
+          </a:p>
+          <a:p>
+            <a:r>
+              <a:rPr sz="1600"/>
+              <a:t>import cv2
+import numpy as np
+# Load main image and template
+car_image = cv2.imread('car.jpg', 0)  # Convert to grayscale
+template = cv2.imread('scratch_template.jpg', 0)  # Defect template
+w, h = template.shape[::-1]  # Get template size</a:t>
+            </a:r>
+            <a:endParaRPr sz="1600"/>
+          </a:p>
+        </p:txBody>
+      </p:sp>
+      <p:sp>
+        <p:nvSpPr>
+          <p:cNvPr id="3" name="Text Box 2"/>
+          <p:cNvSpPr txBox="1"/>
+          <p:nvPr/>
+        </p:nvSpPr>
+        <p:spPr>
+          <a:xfrm>
+            <a:off x="5952490" y="0"/>
+            <a:ext cx="6096000" cy="4817110"/>
+          </a:xfrm>
+          <a:prstGeom prst="rect">
+            <a:avLst/>
+          </a:prstGeom>
+          <a:noFill/>
+        </p:spPr>
+        <p:txBody>
+          <a:bodyPr wrap="square" rtlCol="0" anchor="t">
+            <a:spAutoFit/>
+          </a:bodyPr>
+          <a:p>
+            <a:r>
+              <a:rPr sz="1600">
+                <a:sym typeface="+mn-ea"/>
+              </a:rPr>
+              <a:t># Apply Template Matching
+result = cv2.matchTemplate(car_image, template, cv2.TM_CCOEFF_NORMED)
+threshold = 0.8  # Set threshold for matching
+loc = np.where(result &gt;= threshold)
+# Draw rectangles around detected defects
+for pt inzip(*loc[::-1]):
+    cv2.rectangle(car_image, pt, (pt[0] + w, pt[1] + h), (255, 0, 0), 2)
+# Display result
+cv2.imshow('Car Defect Detection', car_image)
+cv2.waitKey(0)
+cv2.destroyAllWindows()
+</a:t>
+            </a:r>
+            <a:endParaRPr sz="1600"/>
+          </a:p>
+          <a:p>
+            <a:pPr>
+              <a:lnSpc>
+                <a:spcPct val="50000"/>
+              </a:lnSpc>
+              <a:spcAft>
+                <a:spcPct val="60000"/>
+              </a:spcAft>
+            </a:pPr>
+            <a:r>
+              <a:rPr sz="2200" b="1">
+                <a:sym typeface="+mn-ea"/>
+              </a:rPr>
+              <a:t>Use Cases of Template Matching</a:t>
+            </a:r>
+            <a:endParaRPr sz="2200" b="1"/>
+          </a:p>
+          <a:p>
+            <a:pPr>
+              <a:lnSpc>
+                <a:spcPct val="50000"/>
+              </a:lnSpc>
+              <a:buFont typeface="Arial" panose="020B0604020202020204"/>
+              <a:buChar char="•"/>
+            </a:pPr>
+            <a:r>
+              <a:rPr sz="1600">
+                <a:sym typeface="+mn-ea"/>
+              </a:rPr>
+              <a:t>Detecting scratches, dents, and missing parts in cars.</a:t>
+            </a:r>
+            <a:endParaRPr sz="1600"/>
+          </a:p>
+          <a:p>
+            <a:pPr>
+              <a:lnSpc>
+                <a:spcPct val="50000"/>
+              </a:lnSpc>
+              <a:buFont typeface="Arial" panose="020B0604020202020204"/>
+              <a:buChar char="•"/>
+            </a:pPr>
+            <a:endParaRPr sz="1600"/>
+          </a:p>
+          <a:p>
+            <a:pPr>
+              <a:lnSpc>
+                <a:spcPct val="50000"/>
+              </a:lnSpc>
+              <a:buFont typeface="Arial" panose="020B0604020202020204"/>
+              <a:buChar char="•"/>
+            </a:pPr>
+            <a:r>
+              <a:rPr sz="1600">
+                <a:sym typeface="+mn-ea"/>
+              </a:rPr>
+              <a:t>Recognizing logos or text in vehicle images.</a:t>
+            </a:r>
+            <a:endParaRPr sz="1600"/>
+          </a:p>
+          <a:p>
+            <a:pPr>
+              <a:lnSpc>
+                <a:spcPct val="50000"/>
+              </a:lnSpc>
+              <a:buFont typeface="Arial" panose="020B0604020202020204"/>
+              <a:buChar char="•"/>
+            </a:pPr>
+            <a:endParaRPr sz="1600"/>
+          </a:p>
+          <a:p>
+            <a:pPr>
+              <a:lnSpc>
+                <a:spcPct val="50000"/>
+              </a:lnSpc>
+              <a:buFont typeface="Arial" panose="020B0604020202020204"/>
+              <a:buChar char="•"/>
+            </a:pPr>
+            <a:r>
+              <a:rPr sz="1600">
+                <a:sym typeface="+mn-ea"/>
+              </a:rPr>
+              <a:t>Matching defective parts in industrial inspection.</a:t>
+            </a:r>
+            <a:endParaRPr lang="en-US" sz="1600">
+              <a:sym typeface="+mn-ea"/>
+            </a:endParaRPr>
+          </a:p>
+        </p:txBody>
+      </p:sp>
+      <p:sp>
+        <p:nvSpPr>
+          <p:cNvPr id="4" name="Text Box 3"/>
+          <p:cNvSpPr txBox="1"/>
+          <p:nvPr/>
+        </p:nvSpPr>
+        <p:spPr>
+          <a:xfrm>
+            <a:off x="42545" y="5474970"/>
+            <a:ext cx="12005945" cy="2041525"/>
+          </a:xfrm>
+          <a:prstGeom prst="rect">
+            <a:avLst/>
+          </a:prstGeom>
+        </p:spPr>
+        <p:txBody>
+          <a:bodyPr wrap="square">
+            <a:noAutofit/>
+          </a:bodyPr>
+          <a:p>
+            <a:pPr>
+              <a:spcAft>
+                <a:spcPct val="60000"/>
+              </a:spcAft>
+            </a:pPr>
+            <a:r>
+              <a:rPr sz="2200" b="1"/>
+              <a:t>Considerations</a:t>
+            </a:r>
+            <a:endParaRPr sz="2200" b="1"/>
+          </a:p>
+          <a:p>
+            <a:pPr>
+              <a:buFont typeface="Arial" panose="020B0604020202020204"/>
+              <a:buChar char="•"/>
+            </a:pPr>
+            <a:r>
+              <a:rPr sz="1600"/>
+              <a:t>Template Selection:The effectiveness of template matching depends on the quality and representativeness of the defect template.​</a:t>
+            </a:r>
+            <a:endParaRPr sz="1600"/>
+          </a:p>
+          <a:p>
+            <a:pPr>
+              <a:buFont typeface="Arial" panose="020B0604020202020204"/>
+              <a:buChar char="•"/>
+            </a:pPr>
+            <a:endParaRPr sz="1600"/>
+          </a:p>
+          <a:p>
+            <a:pPr>
+              <a:buFont typeface="Arial" panose="020B0604020202020204"/>
+              <a:buChar char="•"/>
+            </a:pPr>
+            <a:r>
+              <a:rPr sz="1600"/>
+              <a:t>Lighting Conditions:Variations in lighting can affect the matching process. Preprocessing steps like histogram equalization may help normalize lighting differences.​</a:t>
+            </a:r>
+            <a:endParaRPr sz="1600"/>
+          </a:p>
+          <a:p>
+            <a:pPr>
+              <a:buFont typeface="Arial" panose="020B0604020202020204"/>
+              <a:buChar char="•"/>
+            </a:pPr>
+            <a:endParaRPr sz="1600"/>
+          </a:p>
+          <a:p>
+            <a:pPr>
+              <a:buFont typeface="Arial" panose="020B0604020202020204"/>
+              <a:buChar char="•"/>
+            </a:pPr>
+            <a:r>
+              <a:rPr sz="1600"/>
+              <a:t>Rotation and Scale Variations:Template matching is sensitive to changes in scale and rotation. For defects that vary in size or orientation, consider using more robust methods like feature-based matching or machine learning approaches.</a:t>
+            </a:r>
+            <a:endParaRPr sz="1600"/>
+          </a:p>
+        </p:txBody>
+      </p:sp>
+    </p:spTree>
+  </p:cSld>
+  <p:clrMapOvr>
+    <a:masterClrMapping/>
+  </p:clrMapOvr>
+</p:sld>
+</file>
+
+<file path=ppt/slides/slide29.xml><?xml version="1.0" encoding="utf-8"?>
+<p:sld xmlns:a="http://schemas.openxmlformats.org/drawingml/2006/main" xmlns:r="http://schemas.openxmlformats.org/officeDocument/2006/relationships" xmlns:p="http://schemas.openxmlformats.org/presentationml/2006/main">
+  <p:cSld>
+    <p:spTree>
+      <p:nvGrpSpPr>
+        <p:cNvPr id="1" name=""/>
+        <p:cNvGrpSpPr/>
+        <p:nvPr/>
+      </p:nvGrpSpPr>
+      <p:grpSpPr/>
+      <p:sp>
+        <p:nvSpPr>
+          <p:cNvPr id="2" name="Text Box 1"/>
+          <p:cNvSpPr txBox="1"/>
+          <p:nvPr/>
+        </p:nvSpPr>
+        <p:spPr>
+          <a:xfrm>
+            <a:off x="0" y="0"/>
+            <a:ext cx="5500370" cy="6892925"/>
+          </a:xfrm>
+          <a:prstGeom prst="rect">
+            <a:avLst/>
+          </a:prstGeom>
+        </p:spPr>
+        <p:txBody>
+          <a:bodyPr wrap="square">
+            <a:spAutoFit/>
+          </a:bodyPr>
+          <a:p>
+            <a:pPr>
+              <a:spcAft>
+                <a:spcPct val="60000"/>
+              </a:spcAft>
+            </a:pPr>
+            <a:r>
+              <a:rPr sz="2300" b="1"/>
+              <a:t>2. Edge Detection</a:t>
+            </a:r>
+            <a:endParaRPr sz="2300" b="1"/>
+          </a:p>
+          <a:p>
+            <a:pPr>
+              <a:spcAft>
+                <a:spcPct val="60000"/>
+              </a:spcAft>
+            </a:pPr>
+            <a:r>
+              <a:rPr sz="2200" b="1"/>
+              <a:t>What is Edge Detection?</a:t>
+            </a:r>
+            <a:endParaRPr sz="2200" b="1"/>
+          </a:p>
+          <a:p>
+            <a:r>
+              <a:rPr sz="1600"/>
+              <a:t>Edge Detection identifies boundaries in an image, helping to detect cracks, scratches, and damages in cars. The Canny Edge Detector is one of the most widely used techniques.</a:t>
+            </a:r>
+            <a:endParaRPr sz="1600"/>
+          </a:p>
+          <a:p>
+            <a:pPr>
+              <a:spcAft>
+                <a:spcPct val="60000"/>
+              </a:spcAft>
+            </a:pPr>
+            <a:r>
+              <a:rPr sz="2200" b="1"/>
+              <a:t>Steps for Edge Detection in Car Defect Detection</a:t>
+            </a:r>
+            <a:endParaRPr sz="2200" b="1"/>
+          </a:p>
+          <a:p>
+            <a:pPr>
+              <a:buAutoNum type="arabicPeriod"/>
+            </a:pPr>
+            <a:r>
+              <a:rPr sz="1600"/>
+              <a:t>Load Image and Convert to Grayscale</a:t>
+            </a:r>
+            <a:endParaRPr sz="1600"/>
+          </a:p>
+          <a:p>
+            <a:r>
+              <a:rPr sz="1600"/>
+              <a:t>import cv2
+# Load image
+image = cv2.imread('car.jpg')
+# Convert to grayscale
+gray = cv2.cvtColor(image, cv2.COLOR_BGR2GRAY)
+# Apply Gaussian Blur
+blurred = cv2.GaussianBlur(gray, (5, 5), 0)
+# Detect edges using Canny
+edges = cv2.Canny(blurred, 50, 150)
+# Display the edges
+cv2.imshow('Car Defect Edges', edges)
+cv2.waitKey(0)
+cv2.destroyAllWindows()
+</a:t>
+            </a:r>
+            <a:endParaRPr sz="1600"/>
+          </a:p>
+        </p:txBody>
+      </p:sp>
+      <p:sp>
+        <p:nvSpPr>
+          <p:cNvPr id="3" name="Text Box 2"/>
+          <p:cNvSpPr txBox="1"/>
+          <p:nvPr/>
+        </p:nvSpPr>
+        <p:spPr>
+          <a:xfrm>
+            <a:off x="5732780" y="548005"/>
+            <a:ext cx="6096000" cy="2154555"/>
+          </a:xfrm>
+          <a:prstGeom prst="rect">
+            <a:avLst/>
+          </a:prstGeom>
+          <a:noFill/>
+        </p:spPr>
+        <p:txBody>
+          <a:bodyPr wrap="square" rtlCol="0" anchor="t">
+            <a:spAutoFit/>
+          </a:bodyPr>
+          <a:p>
+            <a:endParaRPr sz="1600"/>
+          </a:p>
+          <a:p>
+            <a:pPr>
+              <a:spcAft>
+                <a:spcPct val="60000"/>
+              </a:spcAft>
+            </a:pPr>
+            <a:r>
+              <a:rPr sz="2200" b="1">
+                <a:sym typeface="+mn-ea"/>
+              </a:rPr>
+              <a:t>Use Cases of Edge Detection</a:t>
+            </a:r>
+            <a:endParaRPr sz="2200" b="1"/>
+          </a:p>
+          <a:p>
+            <a:pPr>
+              <a:buFont typeface="Arial" panose="020B0604020202020204"/>
+              <a:buChar char="•"/>
+            </a:pPr>
+            <a:r>
+              <a:rPr sz="1600">
+                <a:sym typeface="+mn-ea"/>
+              </a:rPr>
+              <a:t>Identifying cracks or scratches in car surfaces.</a:t>
+            </a:r>
+            <a:endParaRPr sz="1600"/>
+          </a:p>
+          <a:p>
+            <a:pPr>
+              <a:buFont typeface="Arial" panose="020B0604020202020204"/>
+              <a:buChar char="•"/>
+            </a:pPr>
+            <a:endParaRPr sz="1600"/>
+          </a:p>
+          <a:p>
+            <a:pPr>
+              <a:buFont typeface="Arial" panose="020B0604020202020204"/>
+              <a:buChar char="•"/>
+            </a:pPr>
+            <a:r>
+              <a:rPr sz="1600">
+                <a:sym typeface="+mn-ea"/>
+              </a:rPr>
+              <a:t>Detecting contours for part inspections in manufacturing.</a:t>
+            </a:r>
+            <a:endParaRPr sz="1600"/>
+          </a:p>
+          <a:p>
+            <a:pPr>
+              <a:buFont typeface="Arial" panose="020B0604020202020204"/>
+              <a:buChar char="•"/>
+            </a:pPr>
+            <a:endParaRPr sz="1600"/>
+          </a:p>
+          <a:p>
+            <a:pPr>
+              <a:buFont typeface="Arial" panose="020B0604020202020204"/>
+              <a:buChar char="•"/>
+            </a:pPr>
+            <a:r>
+              <a:rPr sz="1600">
+                <a:sym typeface="+mn-ea"/>
+              </a:rPr>
+              <a:t>Analyzing vehicle damage from accident images.</a:t>
+            </a:r>
+            <a:endParaRPr lang="en-US" sz="1600">
+              <a:sym typeface="+mn-ea"/>
+            </a:endParaRPr>
+          </a:p>
+        </p:txBody>
+      </p:sp>
+    </p:spTree>
+  </p:cSld>
+  <p:clrMapOvr>
+    <a:masterClrMapping/>
+  </p:clrMapOvr>
+</p:sld>
+</file>
+
 <file path=ppt/slides/slide3.xml><?xml version="1.0" encoding="utf-8"?>
+<p:sld xmlns:a="http://schemas.openxmlformats.org/drawingml/2006/main" xmlns:r="http://schemas.openxmlformats.org/officeDocument/2006/relationships" xmlns:p="http://schemas.openxmlformats.org/presentationml/2006/main">
+  <p:cSld>
+    <p:spTree>
+      <p:nvGrpSpPr>
+        <p:cNvPr id="1" name=""/>
+        <p:cNvGrpSpPr/>
+        <p:nvPr/>
+      </p:nvGrpSpPr>
+      <p:grpSpPr/>
+      <p:sp>
+        <p:nvSpPr>
+          <p:cNvPr id="2" name="Text Box 1"/>
+          <p:cNvSpPr txBox="1"/>
+          <p:nvPr/>
+        </p:nvSpPr>
+        <p:spPr>
+          <a:xfrm>
+            <a:off x="3048000" y="3244850"/>
+            <a:ext cx="6096000" cy="368300"/>
+          </a:xfrm>
+          <a:prstGeom prst="rect">
+            <a:avLst/>
+          </a:prstGeom>
+          <a:noFill/>
+        </p:spPr>
+        <p:txBody>
+          <a:bodyPr wrap="square" rtlCol="0" anchor="t">
+            <a:spAutoFit/>
+          </a:bodyPr>
+          <a:p>
+            <a:r>
+              <a:rPr lang="en-US" altLang="en-US"/>
+              <a:t>https://www.geeksforgeeks.org/ai-ml-ds-projects/?ref=lbp</a:t>
+            </a:r>
+            <a:endParaRPr lang="en-US"/>
+          </a:p>
+        </p:txBody>
+      </p:sp>
+      <p:sp>
+        <p:nvSpPr>
+          <p:cNvPr id="3" name="Text Box 2"/>
+          <p:cNvSpPr txBox="1"/>
+          <p:nvPr/>
+        </p:nvSpPr>
+        <p:spPr>
+          <a:xfrm>
+            <a:off x="3048000" y="3827780"/>
+            <a:ext cx="6096000" cy="645160"/>
+          </a:xfrm>
+          <a:prstGeom prst="rect">
+            <a:avLst/>
+          </a:prstGeom>
+          <a:noFill/>
+        </p:spPr>
+        <p:txBody>
+          <a:bodyPr wrap="square" rtlCol="0" anchor="t">
+            <a:spAutoFit/>
+          </a:bodyPr>
+          <a:p>
+            <a:r>
+              <a:rPr lang="en-US" altLang="en-US"/>
+              <a:t>https://www.codementor.io/@innat_2k14/image-data-analysis-using-numpy-opencv-part-1-kfadbafx6</a:t>
+            </a:r>
+            <a:endParaRPr lang="en-US"/>
+          </a:p>
+        </p:txBody>
+      </p:sp>
+    </p:spTree>
+  </p:cSld>
+  <p:clrMapOvr>
+    <a:masterClrMapping/>
+  </p:clrMapOvr>
+</p:sld>
+</file>
+
+<file path=ppt/slides/slide30.xml><?xml version="1.0" encoding="utf-8"?>
+<p:sld xmlns:a="http://schemas.openxmlformats.org/drawingml/2006/main" xmlns:r="http://schemas.openxmlformats.org/officeDocument/2006/relationships" xmlns:p="http://schemas.openxmlformats.org/presentationml/2006/main">
+  <p:cSld>
+    <p:spTree>
+      <p:nvGrpSpPr>
+        <p:cNvPr id="1" name=""/>
+        <p:cNvGrpSpPr/>
+        <p:nvPr/>
+      </p:nvGrpSpPr>
+      <p:grpSpPr/>
+      <p:sp>
+        <p:nvSpPr>
+          <p:cNvPr id="2" name="Text Box 1"/>
+          <p:cNvSpPr txBox="1"/>
+          <p:nvPr/>
+        </p:nvSpPr>
+        <p:spPr>
+          <a:xfrm>
+            <a:off x="232410" y="274320"/>
+            <a:ext cx="7721600" cy="6308725"/>
+          </a:xfrm>
+          <a:prstGeom prst="rect">
+            <a:avLst/>
+          </a:prstGeom>
+        </p:spPr>
+        <p:txBody>
+          <a:bodyPr wrap="square">
+            <a:spAutoFit/>
+          </a:bodyPr>
+          <a:p>
+            <a:pPr>
+              <a:spcAft>
+                <a:spcPct val="60000"/>
+              </a:spcAft>
+            </a:pPr>
+            <a:r>
+              <a:rPr sz="2300" b="1"/>
+              <a:t>Combining Both Methods</a:t>
+            </a:r>
+            <a:endParaRPr sz="2300" b="1"/>
+          </a:p>
+          <a:p>
+            <a:r>
+              <a:rPr sz="1600"/>
+              <a:t>For a more robust car defect detection system, combining Template Matching and Edge Detection can be effective.Edge Detection can first highlight potential defect regions, and Template Matching can then be applied to these regions to confirm the presence of specific defects.​</a:t>
+            </a:r>
+            <a:endParaRPr sz="1600"/>
+          </a:p>
+          <a:p>
+            <a:pPr>
+              <a:spcAft>
+                <a:spcPct val="60000"/>
+              </a:spcAft>
+            </a:pPr>
+            <a:r>
+              <a:rPr sz="2200" b="1"/>
+              <a:t>Implementation Steps</a:t>
+            </a:r>
+            <a:endParaRPr sz="2200" b="1"/>
+          </a:p>
+          <a:p>
+            <a:pPr>
+              <a:buAutoNum type="arabicPeriod"/>
+            </a:pPr>
+            <a:r>
+              <a:rPr sz="1600"/>
+              <a:t>Perform Edge Detection</a:t>
+            </a:r>
+            <a:endParaRPr sz="1600"/>
+          </a:p>
+          <a:p>
+            <a:r>
+              <a:rPr sz="1600"/>
+              <a:t>Use the steps outlined in the Edge Detection section to identify potential defect areas.</a:t>
+            </a:r>
+            <a:endParaRPr sz="1600"/>
+          </a:p>
+          <a:p>
+            <a:endParaRPr sz="1600"/>
+          </a:p>
+          <a:p>
+            <a:pPr>
+              <a:buAutoNum type="arabicPeriod"/>
+            </a:pPr>
+            <a:r>
+              <a:rPr sz="1600"/>
+              <a:t>Extract Regions of Interest (ROIs)</a:t>
+            </a:r>
+            <a:endParaRPr sz="1600"/>
+          </a:p>
+          <a:p>
+            <a:r>
+              <a:rPr sz="1600"/>
+              <a:t>Identify and extract regions from the edge-detected image that are likely to contain defects.</a:t>
+            </a:r>
+            <a:endParaRPr sz="1600"/>
+          </a:p>
+          <a:p>
+            <a:endParaRPr sz="1600"/>
+          </a:p>
+          <a:p>
+            <a:pPr>
+              <a:buAutoNum type="arabicPeriod"/>
+            </a:pPr>
+            <a:r>
+              <a:rPr sz="1600"/>
+              <a:t>Apply Template Matching on ROIs</a:t>
+            </a:r>
+            <a:endParaRPr sz="1600"/>
+          </a:p>
+          <a:p>
+            <a:r>
+              <a:rPr sz="1600"/>
+              <a:t>Use Template Matching within these ROIs to detect specific defects, as described in the Template Matching section.</a:t>
+            </a:r>
+            <a:endParaRPr sz="1600"/>
+          </a:p>
+          <a:p>
+            <a:pPr>
+              <a:spcAft>
+                <a:spcPct val="60000"/>
+              </a:spcAft>
+            </a:pPr>
+            <a:r>
+              <a:rPr sz="2200" b="1"/>
+              <a:t>Considerations</a:t>
+            </a:r>
+            <a:endParaRPr sz="2200" b="1"/>
+          </a:p>
+          <a:p>
+            <a:pPr>
+              <a:buFont typeface="Arial" panose="020B0604020202020204"/>
+              <a:buChar char="•"/>
+            </a:pPr>
+            <a:r>
+              <a:rPr sz="1600"/>
+              <a:t>Efficiency:By narrowing down the areas where Template Matching is applied, the process becomes more efficient.​</a:t>
+            </a:r>
+            <a:endParaRPr sz="1600"/>
+          </a:p>
+          <a:p>
+            <a:pPr>
+              <a:buFont typeface="Arial" panose="020B0604020202020204"/>
+              <a:buChar char="•"/>
+            </a:pPr>
+            <a:endParaRPr sz="1600"/>
+          </a:p>
+          <a:p>
+            <a:pPr>
+              <a:buFont typeface="Arial" panose="020B0604020202020204"/>
+              <a:buChar char="•"/>
+            </a:pPr>
+            <a:r>
+              <a:rPr sz="1600"/>
+              <a:t>Accuracy:Combining both methods can reduce false positives and improve detection accuracy.​</a:t>
+            </a:r>
+            <a:endParaRPr sz="1600"/>
+          </a:p>
+        </p:txBody>
+      </p:sp>
+    </p:spTree>
+  </p:cSld>
+  <p:clrMapOvr>
+    <a:masterClrMapping/>
+  </p:clrMapOvr>
+</p:sld>
+</file>
+
+<file path=ppt/slides/slide4.xml><?xml version="1.0" encoding="utf-8"?>
+<p:sld xmlns:a="http://schemas.openxmlformats.org/drawingml/2006/main" xmlns:r="http://schemas.openxmlformats.org/officeDocument/2006/relationships" xmlns:p="http://schemas.openxmlformats.org/presentationml/2006/main">
+  <p:cSld>
+    <p:spTree>
+      <p:nvGrpSpPr>
+        <p:cNvPr id="1" name=""/>
+        <p:cNvGrpSpPr/>
+        <p:nvPr/>
+      </p:nvGrpSpPr>
+      <p:grpSpPr/>
+    </p:spTree>
+  </p:cSld>
+  <p:clrMapOvr>
+    <a:masterClrMapping/>
+  </p:clrMapOvr>
+</p:sld>
+</file>
+
+<file path=ppt/slides/slide5.xml><?xml version="1.0" encoding="utf-8"?>
+<p:sld xmlns:a="http://schemas.openxmlformats.org/drawingml/2006/main" xmlns:r="http://schemas.openxmlformats.org/officeDocument/2006/relationships" xmlns:p="http://schemas.openxmlformats.org/presentationml/2006/main">
+  <p:cSld>
+    <p:spTree>
+      <p:nvGrpSpPr>
+        <p:cNvPr id="1" name=""/>
+        <p:cNvGrpSpPr/>
+        <p:nvPr/>
+      </p:nvGrpSpPr>
+      <p:grpSpPr/>
+      <p:sp>
+        <p:nvSpPr>
+          <p:cNvPr id="2" name="Text Box 1"/>
+          <p:cNvSpPr txBox="1"/>
+          <p:nvPr/>
+        </p:nvSpPr>
+        <p:spPr>
+          <a:xfrm>
+            <a:off x="6216650" y="2032953"/>
+            <a:ext cx="5080000" cy="1524635"/>
+          </a:xfrm>
+          <a:prstGeom prst="rect">
+            <a:avLst/>
+          </a:prstGeom>
+        </p:spPr>
+        <p:txBody>
+          <a:bodyPr>
+            <a:spAutoFit/>
+          </a:bodyPr>
+          <a:p>
+            <a:pPr marL="0" indent="0">
+              <a:spcBef>
+                <a:spcPts val="1000"/>
+              </a:spcBef>
+              <a:spcAft>
+                <a:spcPts val="500"/>
+              </a:spcAft>
+            </a:pPr>
+            <a:r>
+              <a:rPr sz="2500" b="0" i="0">
+                <a:solidFill>
+                  <a:srgbClr val="333333"/>
+                </a:solidFill>
+                <a:latin typeface="Tomorrow"/>
+                <a:ea typeface="Tomorrow"/>
+              </a:rPr>
+              <a:t>OCR Engine  </a:t>
+            </a:r>
+            <a:endParaRPr sz="2500" b="0" i="0">
+              <a:solidFill>
+                <a:srgbClr val="333333"/>
+              </a:solidFill>
+              <a:latin typeface="Tomorrow"/>
+              <a:ea typeface="Tomorrow"/>
+            </a:endParaRPr>
+          </a:p>
+          <a:p>
+            <a:pPr marL="0" indent="0">
+              <a:spcBef>
+                <a:spcPct val="0"/>
+              </a:spcBef>
+              <a:spcAft>
+                <a:spcPct val="0"/>
+              </a:spcAft>
+            </a:pPr>
+            <a:r>
+              <a:rPr sz="1600" b="0" i="0">
+                <a:solidFill>
+                  <a:srgbClr val="333333"/>
+                </a:solidFill>
+                <a:latin typeface="Tomorrow"/>
+                <a:ea typeface="Tomorrow"/>
+              </a:rPr>
+              <a:t>Introduction to Pytesseract</a:t>
+            </a:r>
+            <a:endParaRPr sz="1600" b="0" i="0">
+              <a:solidFill>
+                <a:srgbClr val="333333"/>
+              </a:solidFill>
+              <a:latin typeface="Tomorrow"/>
+              <a:ea typeface="Tomorrow"/>
+            </a:endParaRPr>
+          </a:p>
+          <a:p>
+            <a:pPr marL="0" indent="0">
+              <a:spcBef>
+                <a:spcPct val="0"/>
+              </a:spcBef>
+              <a:spcAft>
+                <a:spcPct val="0"/>
+              </a:spcAft>
+            </a:pPr>
+            <a:r>
+              <a:rPr sz="1600" b="0" i="0">
+                <a:solidFill>
+                  <a:srgbClr val="333333"/>
+                </a:solidFill>
+                <a:latin typeface="Tomorrow"/>
+                <a:ea typeface="Tomorrow"/>
+              </a:rPr>
+              <a:t>Text Recognition</a:t>
+            </a:r>
+            <a:endParaRPr sz="1600" b="0" i="0">
+              <a:solidFill>
+                <a:srgbClr val="333333"/>
+              </a:solidFill>
+              <a:latin typeface="Tomorrow"/>
+              <a:ea typeface="Tomorrow"/>
+            </a:endParaRPr>
+          </a:p>
+          <a:p>
+            <a:pPr marL="0" indent="0">
+              <a:spcBef>
+                <a:spcPct val="0"/>
+              </a:spcBef>
+              <a:spcAft>
+                <a:spcPct val="0"/>
+              </a:spcAft>
+            </a:pPr>
+            <a:r>
+              <a:rPr sz="1600" b="0" i="0">
+                <a:solidFill>
+                  <a:srgbClr val="333333"/>
+                </a:solidFill>
+                <a:latin typeface="Tomorrow"/>
+                <a:ea typeface="Tomorrow"/>
+              </a:rPr>
+              <a:t>Text Recognition from image</a:t>
+            </a:r>
+            <a:endParaRPr sz="1600" b="0" i="0">
+              <a:solidFill>
+                <a:srgbClr val="333333"/>
+              </a:solidFill>
+              <a:latin typeface="Tomorrow"/>
+              <a:ea typeface="Tomorrow"/>
+            </a:endParaRPr>
+          </a:p>
+          <a:p>
+            <a:pPr marL="0" indent="0">
+              <a:spcBef>
+                <a:spcPct val="0"/>
+              </a:spcBef>
+              <a:spcAft>
+                <a:spcPct val="0"/>
+              </a:spcAft>
+            </a:pPr>
+            <a:r>
+              <a:rPr sz="1600" b="0" i="0">
+                <a:solidFill>
+                  <a:srgbClr val="333333"/>
+                </a:solidFill>
+                <a:latin typeface="Tomorrow"/>
+                <a:ea typeface="Tomorrow"/>
+              </a:rPr>
+              <a:t>Assignment</a:t>
+            </a:r>
+            <a:endParaRPr sz="1600" b="0" i="0">
+              <a:solidFill>
+                <a:srgbClr val="333333"/>
+              </a:solidFill>
+              <a:latin typeface="Tomorrow"/>
+              <a:ea typeface="Tomorrow"/>
+            </a:endParaRPr>
+          </a:p>
+        </p:txBody>
+      </p:sp>
+      <p:sp>
+        <p:nvSpPr>
+          <p:cNvPr id="3" name="Text Box 2"/>
+          <p:cNvSpPr txBox="1"/>
+          <p:nvPr/>
+        </p:nvSpPr>
+        <p:spPr>
+          <a:xfrm>
+            <a:off x="2318385" y="369570"/>
+            <a:ext cx="4064000" cy="368300"/>
+          </a:xfrm>
+          <a:prstGeom prst="rect">
+            <a:avLst/>
+          </a:prstGeom>
+          <a:noFill/>
+        </p:spPr>
+        <p:txBody>
+          <a:bodyPr wrap="square" rtlCol="0">
+            <a:spAutoFit/>
+          </a:bodyPr>
+          <a:p>
+            <a:r>
+              <a:rPr lang="en-IN" altLang="en-US"/>
+              <a:t>OLD SYLLABUS</a:t>
+            </a:r>
+            <a:endParaRPr lang="en-IN" altLang="en-US"/>
+          </a:p>
+        </p:txBody>
+      </p:sp>
+      <p:sp>
+        <p:nvSpPr>
+          <p:cNvPr id="4" name="Text Box 3"/>
+          <p:cNvSpPr txBox="1"/>
+          <p:nvPr/>
+        </p:nvSpPr>
+        <p:spPr>
+          <a:xfrm>
+            <a:off x="899160" y="655320"/>
+            <a:ext cx="5080000" cy="4327525"/>
+          </a:xfrm>
+          <a:prstGeom prst="rect">
+            <a:avLst/>
+          </a:prstGeom>
+        </p:spPr>
+        <p:txBody>
+          <a:bodyPr>
+            <a:spAutoFit/>
+          </a:bodyPr>
+          <a:p>
+            <a:pPr marL="0" indent="0">
+              <a:spcBef>
+                <a:spcPts val="1000"/>
+              </a:spcBef>
+              <a:spcAft>
+                <a:spcPts val="500"/>
+              </a:spcAft>
+            </a:pPr>
+            <a:r>
+              <a:rPr sz="2500" b="0" i="0">
+                <a:solidFill>
+                  <a:srgbClr val="333333"/>
+                </a:solidFill>
+                <a:latin typeface="Tomorrow"/>
+                <a:ea typeface="Tomorrow"/>
+              </a:rPr>
+              <a:t>Computer Vision &amp; OpenCV  </a:t>
+            </a:r>
+            <a:endParaRPr sz="2500" b="0" i="0">
+              <a:solidFill>
+                <a:srgbClr val="333333"/>
+              </a:solidFill>
+              <a:latin typeface="Tomorrow"/>
+              <a:ea typeface="Tomorrow"/>
+            </a:endParaRPr>
+          </a:p>
+          <a:p>
+            <a:pPr marL="285750" indent="-285750">
+              <a:lnSpc>
+                <a:spcPct val="140000"/>
+              </a:lnSpc>
+              <a:spcBef>
+                <a:spcPct val="0"/>
+              </a:spcBef>
+              <a:spcAft>
+                <a:spcPct val="0"/>
+              </a:spcAft>
+              <a:buFont typeface="Arial" panose="020B0604020202020204" pitchFamily="34" charset="0"/>
+              <a:buChar char="•"/>
+            </a:pPr>
+            <a:r>
+              <a:rPr sz="1600" b="0" i="0">
+                <a:solidFill>
+                  <a:srgbClr val="333333"/>
+                </a:solidFill>
+                <a:latin typeface="Tomorrow"/>
+                <a:ea typeface="Tomorrow"/>
+              </a:rPr>
+              <a:t>What is Computer Vision</a:t>
+            </a:r>
+            <a:endParaRPr sz="1600" b="0" i="0">
+              <a:solidFill>
+                <a:srgbClr val="333333"/>
+              </a:solidFill>
+              <a:latin typeface="Tomorrow"/>
+              <a:ea typeface="Tomorrow"/>
+            </a:endParaRPr>
+          </a:p>
+          <a:p>
+            <a:pPr marL="285750" indent="-285750">
+              <a:lnSpc>
+                <a:spcPct val="140000"/>
+              </a:lnSpc>
+              <a:spcBef>
+                <a:spcPct val="0"/>
+              </a:spcBef>
+              <a:spcAft>
+                <a:spcPct val="0"/>
+              </a:spcAft>
+              <a:buFont typeface="Arial" panose="020B0604020202020204" pitchFamily="34" charset="0"/>
+              <a:buChar char="•"/>
+            </a:pPr>
+            <a:r>
+              <a:rPr sz="1600" b="0" i="0">
+                <a:solidFill>
+                  <a:srgbClr val="333333"/>
+                </a:solidFill>
+                <a:latin typeface="Tomorrow"/>
+                <a:ea typeface="Tomorrow"/>
+              </a:rPr>
+              <a:t>History of Computer Vision</a:t>
+            </a:r>
+            <a:endParaRPr sz="1600" b="0" i="0">
+              <a:solidFill>
+                <a:srgbClr val="333333"/>
+              </a:solidFill>
+              <a:latin typeface="Tomorrow"/>
+              <a:ea typeface="Tomorrow"/>
+            </a:endParaRPr>
+          </a:p>
+          <a:p>
+            <a:pPr marL="285750" indent="-285750">
+              <a:lnSpc>
+                <a:spcPct val="140000"/>
+              </a:lnSpc>
+              <a:spcBef>
+                <a:spcPct val="0"/>
+              </a:spcBef>
+              <a:spcAft>
+                <a:spcPct val="0"/>
+              </a:spcAft>
+              <a:buFont typeface="Arial" panose="020B0604020202020204" pitchFamily="34" charset="0"/>
+              <a:buChar char="•"/>
+            </a:pPr>
+            <a:r>
+              <a:rPr sz="1600" b="0" i="0">
+                <a:solidFill>
+                  <a:srgbClr val="333333"/>
+                </a:solidFill>
+                <a:latin typeface="Tomorrow"/>
+                <a:ea typeface="Tomorrow"/>
+              </a:rPr>
+              <a:t>Tools &amp; Technology used in Computer Vision</a:t>
+            </a:r>
+            <a:endParaRPr sz="1600" b="0" i="0">
+              <a:solidFill>
+                <a:srgbClr val="333333"/>
+              </a:solidFill>
+              <a:latin typeface="Tomorrow"/>
+              <a:ea typeface="Tomorrow"/>
+            </a:endParaRPr>
+          </a:p>
+          <a:p>
+            <a:pPr marL="285750" indent="-285750">
+              <a:lnSpc>
+                <a:spcPct val="140000"/>
+              </a:lnSpc>
+              <a:spcBef>
+                <a:spcPct val="0"/>
+              </a:spcBef>
+              <a:spcAft>
+                <a:spcPct val="0"/>
+              </a:spcAft>
+              <a:buFont typeface="Arial" panose="020B0604020202020204" pitchFamily="34" charset="0"/>
+              <a:buChar char="•"/>
+            </a:pPr>
+            <a:r>
+              <a:rPr sz="1600" b="0" i="0">
+                <a:solidFill>
+                  <a:srgbClr val="333333"/>
+                </a:solidFill>
+                <a:latin typeface="Tomorrow"/>
+                <a:ea typeface="Tomorrow"/>
+              </a:rPr>
+              <a:t>Application of Computer Vision</a:t>
+            </a:r>
+            <a:endParaRPr sz="1600" b="0" i="0">
+              <a:solidFill>
+                <a:srgbClr val="333333"/>
+              </a:solidFill>
+              <a:latin typeface="Tomorrow"/>
+              <a:ea typeface="Tomorrow"/>
+            </a:endParaRPr>
+          </a:p>
+          <a:p>
+            <a:pPr marL="285750" indent="-285750">
+              <a:lnSpc>
+                <a:spcPct val="140000"/>
+              </a:lnSpc>
+              <a:spcBef>
+                <a:spcPct val="0"/>
+              </a:spcBef>
+              <a:spcAft>
+                <a:spcPct val="0"/>
+              </a:spcAft>
+              <a:buFont typeface="Arial" panose="020B0604020202020204" pitchFamily="34" charset="0"/>
+              <a:buChar char="•"/>
+            </a:pPr>
+            <a:r>
+              <a:rPr sz="1600" b="0" i="0">
+                <a:solidFill>
+                  <a:srgbClr val="333333"/>
+                </a:solidFill>
+                <a:latin typeface="Tomorrow"/>
+                <a:ea typeface="Tomorrow"/>
+              </a:rPr>
+              <a:t>What is OpenCV</a:t>
+            </a:r>
+            <a:endParaRPr sz="1600" b="0" i="0">
+              <a:solidFill>
+                <a:srgbClr val="333333"/>
+              </a:solidFill>
+              <a:latin typeface="Tomorrow"/>
+              <a:ea typeface="Tomorrow"/>
+            </a:endParaRPr>
+          </a:p>
+          <a:p>
+            <a:pPr marL="285750" indent="-285750">
+              <a:lnSpc>
+                <a:spcPct val="140000"/>
+              </a:lnSpc>
+              <a:spcBef>
+                <a:spcPct val="0"/>
+              </a:spcBef>
+              <a:spcAft>
+                <a:spcPct val="0"/>
+              </a:spcAft>
+              <a:buFont typeface="Arial" panose="020B0604020202020204" pitchFamily="34" charset="0"/>
+              <a:buChar char="•"/>
+            </a:pPr>
+            <a:r>
+              <a:rPr sz="1600" b="0" i="0">
+                <a:solidFill>
+                  <a:srgbClr val="333333"/>
+                </a:solidFill>
+                <a:latin typeface="Tomorrow"/>
+                <a:ea typeface="Tomorrow"/>
+              </a:rPr>
+              <a:t>Installation of OpenCV</a:t>
+            </a:r>
+            <a:endParaRPr sz="1600" b="0" i="0">
+              <a:solidFill>
+                <a:srgbClr val="333333"/>
+              </a:solidFill>
+              <a:latin typeface="Tomorrow"/>
+              <a:ea typeface="Tomorrow"/>
+            </a:endParaRPr>
+          </a:p>
+          <a:p>
+            <a:pPr marL="285750" indent="-285750">
+              <a:lnSpc>
+                <a:spcPct val="140000"/>
+              </a:lnSpc>
+              <a:spcBef>
+                <a:spcPct val="0"/>
+              </a:spcBef>
+              <a:spcAft>
+                <a:spcPct val="0"/>
+              </a:spcAft>
+              <a:buFont typeface="Arial" panose="020B0604020202020204" pitchFamily="34" charset="0"/>
+              <a:buChar char="•"/>
+            </a:pPr>
+            <a:r>
+              <a:rPr sz="1600" b="0" i="0">
+                <a:solidFill>
+                  <a:srgbClr val="333333"/>
+                </a:solidFill>
+                <a:latin typeface="Tomorrow"/>
+                <a:ea typeface="Tomorrow"/>
+              </a:rPr>
+              <a:t>First program with OpenCV</a:t>
+            </a:r>
+            <a:endParaRPr sz="1600" b="0" i="0">
+              <a:solidFill>
+                <a:srgbClr val="333333"/>
+              </a:solidFill>
+              <a:latin typeface="Tomorrow"/>
+              <a:ea typeface="Tomorrow"/>
+            </a:endParaRPr>
+          </a:p>
+          <a:p>
+            <a:pPr marL="285750" indent="-285750">
+              <a:lnSpc>
+                <a:spcPct val="140000"/>
+              </a:lnSpc>
+              <a:spcBef>
+                <a:spcPct val="0"/>
+              </a:spcBef>
+              <a:spcAft>
+                <a:spcPct val="0"/>
+              </a:spcAft>
+              <a:buFont typeface="Arial" panose="020B0604020202020204" pitchFamily="34" charset="0"/>
+              <a:buChar char="•"/>
+            </a:pPr>
+            <a:r>
+              <a:rPr sz="1600" b="0" i="0">
+                <a:solidFill>
+                  <a:srgbClr val="333333"/>
+                </a:solidFill>
+                <a:latin typeface="Tomorrow"/>
+                <a:ea typeface="Tomorrow"/>
+              </a:rPr>
+              <a:t>Reading &amp; Writing Images</a:t>
+            </a:r>
+            <a:endParaRPr sz="1600" b="0" i="0">
+              <a:solidFill>
+                <a:srgbClr val="333333"/>
+              </a:solidFill>
+              <a:latin typeface="Tomorrow"/>
+              <a:ea typeface="Tomorrow"/>
+            </a:endParaRPr>
+          </a:p>
+          <a:p>
+            <a:pPr marL="285750" indent="-285750">
+              <a:lnSpc>
+                <a:spcPct val="140000"/>
+              </a:lnSpc>
+              <a:spcBef>
+                <a:spcPct val="0"/>
+              </a:spcBef>
+              <a:spcAft>
+                <a:spcPct val="0"/>
+              </a:spcAft>
+              <a:buFont typeface="Arial" panose="020B0604020202020204" pitchFamily="34" charset="0"/>
+              <a:buChar char="•"/>
+            </a:pPr>
+            <a:r>
+              <a:rPr sz="1600" b="0" i="0">
+                <a:solidFill>
+                  <a:srgbClr val="333333"/>
+                </a:solidFill>
+                <a:latin typeface="Tomorrow"/>
+                <a:ea typeface="Tomorrow"/>
+              </a:rPr>
+              <a:t>Capture Videos from Camera</a:t>
+            </a:r>
+            <a:endParaRPr sz="1600" b="0" i="0">
+              <a:solidFill>
+                <a:srgbClr val="333333"/>
+              </a:solidFill>
+              <a:latin typeface="Tomorrow"/>
+              <a:ea typeface="Tomorrow"/>
+            </a:endParaRPr>
+          </a:p>
+          <a:p>
+            <a:pPr marL="285750" indent="-285750">
+              <a:lnSpc>
+                <a:spcPct val="140000"/>
+              </a:lnSpc>
+              <a:spcBef>
+                <a:spcPct val="0"/>
+              </a:spcBef>
+              <a:spcAft>
+                <a:spcPct val="0"/>
+              </a:spcAft>
+              <a:buFont typeface="Arial" panose="020B0604020202020204" pitchFamily="34" charset="0"/>
+              <a:buChar char="•"/>
+            </a:pPr>
+            <a:r>
+              <a:rPr sz="1600" b="0" i="0">
+                <a:solidFill>
+                  <a:srgbClr val="333333"/>
+                </a:solidFill>
+                <a:latin typeface="Tomorrow"/>
+                <a:ea typeface="Tomorrow"/>
+              </a:rPr>
+              <a:t>Reading &amp; Saving Videos</a:t>
+            </a:r>
+            <a:endParaRPr sz="1600" b="0" i="0">
+              <a:solidFill>
+                <a:srgbClr val="333333"/>
+              </a:solidFill>
+              <a:latin typeface="Tomorrow"/>
+              <a:ea typeface="Tomorrow"/>
+            </a:endParaRPr>
+          </a:p>
+          <a:p>
+            <a:pPr marL="285750" indent="-285750">
+              <a:lnSpc>
+                <a:spcPct val="140000"/>
+              </a:lnSpc>
+              <a:spcBef>
+                <a:spcPct val="0"/>
+              </a:spcBef>
+              <a:spcAft>
+                <a:spcPct val="0"/>
+              </a:spcAft>
+              <a:buFont typeface="Arial" panose="020B0604020202020204" pitchFamily="34" charset="0"/>
+              <a:buChar char="•"/>
+            </a:pPr>
+            <a:r>
+              <a:rPr sz="1600" b="0" i="0">
+                <a:solidFill>
+                  <a:srgbClr val="333333"/>
+                </a:solidFill>
+                <a:latin typeface="Tomorrow"/>
+                <a:ea typeface="Tomorrow"/>
+              </a:rPr>
+              <a:t>Assignment</a:t>
+            </a:r>
+            <a:endParaRPr sz="1600" b="0" i="0">
+              <a:solidFill>
+                <a:srgbClr val="333333"/>
+              </a:solidFill>
+              <a:latin typeface="Tomorrow"/>
+              <a:ea typeface="Tomorrow"/>
+            </a:endParaRPr>
+          </a:p>
+        </p:txBody>
+      </p:sp>
+      <p:sp>
+        <p:nvSpPr>
+          <p:cNvPr id="6" name="Text Box 5"/>
+          <p:cNvSpPr txBox="1"/>
+          <p:nvPr/>
+        </p:nvSpPr>
+        <p:spPr>
+          <a:xfrm>
+            <a:off x="996950" y="4982845"/>
+            <a:ext cx="5080000" cy="1663700"/>
+          </a:xfrm>
+          <a:prstGeom prst="rect">
+            <a:avLst/>
+          </a:prstGeom>
+        </p:spPr>
+        <p:txBody>
+          <a:bodyPr>
+            <a:spAutoFit/>
+          </a:bodyPr>
+          <a:p>
+            <a:pPr marL="0" indent="0">
+              <a:spcBef>
+                <a:spcPts val="1000"/>
+              </a:spcBef>
+              <a:spcAft>
+                <a:spcPts val="500"/>
+              </a:spcAft>
+            </a:pPr>
+            <a:r>
+              <a:rPr sz="2500" b="0" i="0">
+                <a:solidFill>
+                  <a:srgbClr val="333333"/>
+                </a:solidFill>
+                <a:latin typeface="Tomorrow"/>
+                <a:ea typeface="Tomorrow"/>
+              </a:rPr>
+              <a:t>Image Classification - FACE RECOGNITION PROJECT  </a:t>
+            </a:r>
+            <a:endParaRPr sz="2500" b="0" i="0">
+              <a:solidFill>
+                <a:srgbClr val="333333"/>
+              </a:solidFill>
+              <a:latin typeface="Tomorrow"/>
+              <a:ea typeface="Tomorrow"/>
+            </a:endParaRPr>
+          </a:p>
+          <a:p>
+            <a:pPr marL="0" indent="0">
+              <a:spcBef>
+                <a:spcPct val="0"/>
+              </a:spcBef>
+              <a:spcAft>
+                <a:spcPct val="0"/>
+              </a:spcAft>
+            </a:pPr>
+            <a:r>
+              <a:rPr sz="1600" b="0" i="0">
+                <a:solidFill>
+                  <a:srgbClr val="333333"/>
+                </a:solidFill>
+                <a:latin typeface="Tomorrow"/>
+                <a:ea typeface="Tomorrow"/>
+              </a:rPr>
+              <a:t>Haar Cascade Clasifier</a:t>
+            </a:r>
+            <a:endParaRPr sz="1600" b="0" i="0">
+              <a:solidFill>
+                <a:srgbClr val="333333"/>
+              </a:solidFill>
+              <a:latin typeface="Tomorrow"/>
+              <a:ea typeface="Tomorrow"/>
+            </a:endParaRPr>
+          </a:p>
+          <a:p>
+            <a:pPr marL="0" indent="0">
+              <a:spcBef>
+                <a:spcPct val="0"/>
+              </a:spcBef>
+              <a:spcAft>
+                <a:spcPct val="0"/>
+              </a:spcAft>
+            </a:pPr>
+            <a:r>
+              <a:rPr sz="1600" b="0" i="0">
+                <a:solidFill>
+                  <a:srgbClr val="333333"/>
+                </a:solidFill>
+                <a:latin typeface="Tomorrow"/>
+                <a:ea typeface="Tomorrow"/>
+              </a:rPr>
+              <a:t>Image Classification with CNN</a:t>
+            </a:r>
+            <a:endParaRPr sz="1600" b="0" i="0">
+              <a:solidFill>
+                <a:srgbClr val="333333"/>
+              </a:solidFill>
+              <a:latin typeface="Tomorrow"/>
+              <a:ea typeface="Tomorrow"/>
+            </a:endParaRPr>
+          </a:p>
+          <a:p>
+            <a:pPr marL="0" indent="0">
+              <a:spcBef>
+                <a:spcPct val="0"/>
+              </a:spcBef>
+              <a:spcAft>
+                <a:spcPct val="0"/>
+              </a:spcAft>
+            </a:pPr>
+            <a:r>
+              <a:rPr sz="1600" b="0" i="0">
+                <a:solidFill>
+                  <a:srgbClr val="333333"/>
+                </a:solidFill>
+                <a:latin typeface="Tomorrow"/>
+                <a:ea typeface="Tomorrow"/>
+              </a:rPr>
+              <a:t>Assignment</a:t>
+            </a:r>
+            <a:endParaRPr sz="1600" b="0" i="0">
+              <a:solidFill>
+                <a:srgbClr val="333333"/>
+              </a:solidFill>
+              <a:latin typeface="Tomorrow"/>
+              <a:ea typeface="Tomorrow"/>
+            </a:endParaRPr>
+          </a:p>
+        </p:txBody>
+      </p:sp>
+      <p:sp>
+        <p:nvSpPr>
+          <p:cNvPr id="7" name="Text Box 6"/>
+          <p:cNvSpPr txBox="1"/>
+          <p:nvPr/>
+        </p:nvSpPr>
+        <p:spPr>
+          <a:xfrm>
+            <a:off x="6076950" y="369570"/>
+            <a:ext cx="5080000" cy="1663700"/>
+          </a:xfrm>
+          <a:prstGeom prst="rect">
+            <a:avLst/>
+          </a:prstGeom>
+        </p:spPr>
+        <p:txBody>
+          <a:bodyPr>
+            <a:spAutoFit/>
+          </a:bodyPr>
+          <a:p>
+            <a:pPr marL="0" indent="0">
+              <a:spcBef>
+                <a:spcPts val="1000"/>
+              </a:spcBef>
+              <a:spcAft>
+                <a:spcPts val="500"/>
+              </a:spcAft>
+            </a:pPr>
+            <a:r>
+              <a:rPr sz="2500" b="0" i="0">
+                <a:solidFill>
+                  <a:srgbClr val="333333"/>
+                </a:solidFill>
+                <a:latin typeface="Tomorrow"/>
+                <a:ea typeface="Tomorrow"/>
+              </a:rPr>
+              <a:t> Object Detection - CAR DEFECT DETECTION  </a:t>
+            </a:r>
+            <a:endParaRPr sz="2500" b="0" i="0">
+              <a:solidFill>
+                <a:srgbClr val="333333"/>
+              </a:solidFill>
+              <a:latin typeface="Tomorrow"/>
+              <a:ea typeface="Tomorrow"/>
+            </a:endParaRPr>
+          </a:p>
+          <a:p>
+            <a:pPr marL="0" indent="0">
+              <a:spcBef>
+                <a:spcPct val="0"/>
+              </a:spcBef>
+              <a:spcAft>
+                <a:spcPct val="0"/>
+              </a:spcAft>
+            </a:pPr>
+            <a:r>
+              <a:rPr sz="1600" b="0" i="0">
+                <a:solidFill>
+                  <a:srgbClr val="333333"/>
+                </a:solidFill>
+                <a:latin typeface="Tomorrow"/>
+                <a:ea typeface="Tomorrow"/>
+              </a:rPr>
+              <a:t>Template Matching</a:t>
+            </a:r>
+            <a:endParaRPr sz="1600" b="0" i="0">
+              <a:solidFill>
+                <a:srgbClr val="333333"/>
+              </a:solidFill>
+              <a:latin typeface="Tomorrow"/>
+              <a:ea typeface="Tomorrow"/>
+            </a:endParaRPr>
+          </a:p>
+          <a:p>
+            <a:pPr marL="0" indent="0">
+              <a:spcBef>
+                <a:spcPct val="0"/>
+              </a:spcBef>
+              <a:spcAft>
+                <a:spcPct val="0"/>
+              </a:spcAft>
+            </a:pPr>
+            <a:r>
+              <a:rPr sz="1600" b="0" i="0">
+                <a:solidFill>
+                  <a:srgbClr val="333333"/>
+                </a:solidFill>
+                <a:latin typeface="Tomorrow"/>
+                <a:ea typeface="Tomorrow"/>
+              </a:rPr>
+              <a:t>Edge Detection</a:t>
+            </a:r>
+            <a:endParaRPr sz="1600" b="0" i="0">
+              <a:solidFill>
+                <a:srgbClr val="333333"/>
+              </a:solidFill>
+              <a:latin typeface="Tomorrow"/>
+              <a:ea typeface="Tomorrow"/>
+            </a:endParaRPr>
+          </a:p>
+          <a:p>
+            <a:pPr marL="0" indent="0">
+              <a:spcBef>
+                <a:spcPct val="0"/>
+              </a:spcBef>
+              <a:spcAft>
+                <a:spcPct val="0"/>
+              </a:spcAft>
+            </a:pPr>
+            <a:r>
+              <a:rPr sz="1600" b="0" i="0">
+                <a:solidFill>
+                  <a:srgbClr val="333333"/>
+                </a:solidFill>
+                <a:latin typeface="Tomorrow"/>
+                <a:ea typeface="Tomorrow"/>
+              </a:rPr>
+              <a:t>Assignment</a:t>
+            </a:r>
+            <a:endParaRPr sz="1600" b="0" i="0">
+              <a:solidFill>
+                <a:srgbClr val="333333"/>
+              </a:solidFill>
+              <a:latin typeface="Tomorrow"/>
+              <a:ea typeface="Tomorrow"/>
+            </a:endParaRPr>
+          </a:p>
+        </p:txBody>
+      </p:sp>
+      <p:sp>
+        <p:nvSpPr>
+          <p:cNvPr id="5" name="Text Box 4"/>
+          <p:cNvSpPr txBox="1"/>
+          <p:nvPr/>
+        </p:nvSpPr>
+        <p:spPr>
+          <a:xfrm>
+            <a:off x="5823585" y="3558222"/>
+            <a:ext cx="5080000" cy="1771015"/>
+          </a:xfrm>
+          <a:prstGeom prst="rect">
+            <a:avLst/>
+          </a:prstGeom>
+        </p:spPr>
+        <p:txBody>
+          <a:bodyPr>
+            <a:spAutoFit/>
+          </a:bodyPr>
+          <a:p>
+            <a:pPr marL="0" indent="0">
+              <a:spcBef>
+                <a:spcPts val="1000"/>
+              </a:spcBef>
+              <a:spcAft>
+                <a:spcPts val="500"/>
+              </a:spcAft>
+            </a:pPr>
+            <a:r>
+              <a:rPr sz="2500" b="0" i="0">
+                <a:solidFill>
+                  <a:srgbClr val="333333"/>
+                </a:solidFill>
+                <a:latin typeface="Tomorrow"/>
+                <a:ea typeface="Tomorrow"/>
+              </a:rPr>
+              <a:t>Object Detection  </a:t>
+            </a:r>
+            <a:endParaRPr sz="2500" b="0" i="0">
+              <a:solidFill>
+                <a:srgbClr val="333333"/>
+              </a:solidFill>
+              <a:latin typeface="Tomorrow"/>
+              <a:ea typeface="Tomorrow"/>
+            </a:endParaRPr>
+          </a:p>
+          <a:p>
+            <a:pPr marL="0" indent="0">
+              <a:spcBef>
+                <a:spcPct val="0"/>
+              </a:spcBef>
+              <a:spcAft>
+                <a:spcPct val="0"/>
+              </a:spcAft>
+            </a:pPr>
+            <a:r>
+              <a:rPr sz="1600" b="0" i="0">
+                <a:solidFill>
+                  <a:srgbClr val="333333"/>
+                </a:solidFill>
+                <a:latin typeface="Tomorrow"/>
+                <a:ea typeface="Tomorrow"/>
+              </a:rPr>
+              <a:t>What is Object Detection</a:t>
+            </a:r>
+            <a:endParaRPr sz="1600" b="0" i="0">
+              <a:solidFill>
+                <a:srgbClr val="333333"/>
+              </a:solidFill>
+              <a:latin typeface="Tomorrow"/>
+              <a:ea typeface="Tomorrow"/>
+            </a:endParaRPr>
+          </a:p>
+          <a:p>
+            <a:pPr marL="0" indent="0">
+              <a:spcBef>
+                <a:spcPct val="0"/>
+              </a:spcBef>
+              <a:spcAft>
+                <a:spcPct val="0"/>
+              </a:spcAft>
+            </a:pPr>
+            <a:r>
+              <a:rPr sz="1600" b="0" i="0">
+                <a:solidFill>
+                  <a:srgbClr val="333333"/>
+                </a:solidFill>
+                <a:latin typeface="Tomorrow"/>
+                <a:ea typeface="Tomorrow"/>
+              </a:rPr>
+              <a:t>Object Detection using Haar Cascade</a:t>
+            </a:r>
+            <a:endParaRPr sz="1600" b="0" i="0">
+              <a:solidFill>
+                <a:srgbClr val="333333"/>
+              </a:solidFill>
+              <a:latin typeface="Tomorrow"/>
+              <a:ea typeface="Tomorrow"/>
+            </a:endParaRPr>
+          </a:p>
+          <a:p>
+            <a:pPr marL="0" indent="0">
+              <a:spcBef>
+                <a:spcPct val="0"/>
+              </a:spcBef>
+              <a:spcAft>
+                <a:spcPct val="0"/>
+              </a:spcAft>
+            </a:pPr>
+            <a:r>
+              <a:rPr sz="1600" b="0" i="0">
+                <a:solidFill>
+                  <a:srgbClr val="333333"/>
+                </a:solidFill>
+                <a:latin typeface="Tomorrow"/>
+                <a:ea typeface="Tomorrow"/>
+              </a:rPr>
+              <a:t>MobileNet SSD</a:t>
+            </a:r>
+            <a:endParaRPr sz="1600" b="0" i="0">
+              <a:solidFill>
+                <a:srgbClr val="333333"/>
+              </a:solidFill>
+              <a:latin typeface="Tomorrow"/>
+              <a:ea typeface="Tomorrow"/>
+            </a:endParaRPr>
+          </a:p>
+          <a:p>
+            <a:pPr marL="0" indent="0">
+              <a:spcBef>
+                <a:spcPct val="0"/>
+              </a:spcBef>
+              <a:spcAft>
+                <a:spcPct val="0"/>
+              </a:spcAft>
+            </a:pPr>
+            <a:r>
+              <a:rPr sz="1600" b="0" i="0">
+                <a:solidFill>
+                  <a:srgbClr val="333333"/>
+                </a:solidFill>
+                <a:latin typeface="Tomorrow"/>
+                <a:ea typeface="Tomorrow"/>
+              </a:rPr>
+              <a:t>RCNN and YOLO</a:t>
+            </a:r>
+            <a:endParaRPr sz="1600" b="0" i="0">
+              <a:solidFill>
+                <a:srgbClr val="333333"/>
+              </a:solidFill>
+              <a:latin typeface="Tomorrow"/>
+              <a:ea typeface="Tomorrow"/>
+            </a:endParaRPr>
+          </a:p>
+          <a:p>
+            <a:pPr marL="0" indent="0">
+              <a:spcBef>
+                <a:spcPct val="0"/>
+              </a:spcBef>
+              <a:spcAft>
+                <a:spcPct val="0"/>
+              </a:spcAft>
+            </a:pPr>
+            <a:r>
+              <a:rPr sz="1600" b="0" i="0">
+                <a:solidFill>
+                  <a:srgbClr val="333333"/>
+                </a:solidFill>
+                <a:latin typeface="Tomorrow"/>
+                <a:ea typeface="Tomorrow"/>
+              </a:rPr>
+              <a:t>Assignment</a:t>
+            </a:r>
+            <a:endParaRPr sz="1600" b="0" i="0">
+              <a:solidFill>
+                <a:srgbClr val="333333"/>
+              </a:solidFill>
+              <a:latin typeface="Tomorrow"/>
+              <a:ea typeface="Tomorrow"/>
+            </a:endParaRPr>
+          </a:p>
+        </p:txBody>
+      </p:sp>
+      <p:sp>
+        <p:nvSpPr>
+          <p:cNvPr id="8" name="Text Box 7"/>
+          <p:cNvSpPr txBox="1"/>
+          <p:nvPr/>
+        </p:nvSpPr>
+        <p:spPr>
+          <a:xfrm>
+            <a:off x="5733415" y="5328603"/>
+            <a:ext cx="5080000" cy="1524635"/>
+          </a:xfrm>
+          <a:prstGeom prst="rect">
+            <a:avLst/>
+          </a:prstGeom>
+        </p:spPr>
+        <p:txBody>
+          <a:bodyPr>
+            <a:spAutoFit/>
+          </a:bodyPr>
+          <a:p>
+            <a:pPr marL="0" indent="0">
+              <a:spcBef>
+                <a:spcPts val="1000"/>
+              </a:spcBef>
+              <a:spcAft>
+                <a:spcPts val="500"/>
+              </a:spcAft>
+            </a:pPr>
+            <a:r>
+              <a:rPr sz="2500" b="0" i="0">
+                <a:solidFill>
+                  <a:srgbClr val="333333"/>
+                </a:solidFill>
+                <a:latin typeface="Tomorrow"/>
+                <a:ea typeface="Tomorrow"/>
+              </a:rPr>
+              <a:t>MediaPipe  </a:t>
+            </a:r>
+            <a:endParaRPr sz="2500" b="0" i="0">
+              <a:solidFill>
+                <a:srgbClr val="333333"/>
+              </a:solidFill>
+              <a:latin typeface="Tomorrow"/>
+              <a:ea typeface="Tomorrow"/>
+            </a:endParaRPr>
+          </a:p>
+          <a:p>
+            <a:pPr marL="0" indent="0">
+              <a:spcBef>
+                <a:spcPct val="0"/>
+              </a:spcBef>
+              <a:spcAft>
+                <a:spcPct val="0"/>
+              </a:spcAft>
+            </a:pPr>
+            <a:r>
+              <a:rPr sz="1600" b="0" i="0">
+                <a:solidFill>
+                  <a:srgbClr val="333333"/>
+                </a:solidFill>
+                <a:latin typeface="Tomorrow"/>
+                <a:ea typeface="Tomorrow"/>
+              </a:rPr>
+              <a:t>Introduction to MediaPipe</a:t>
+            </a:r>
+            <a:endParaRPr sz="1600" b="0" i="0">
+              <a:solidFill>
+                <a:srgbClr val="333333"/>
+              </a:solidFill>
+              <a:latin typeface="Tomorrow"/>
+              <a:ea typeface="Tomorrow"/>
+            </a:endParaRPr>
+          </a:p>
+          <a:p>
+            <a:pPr marL="0" indent="0">
+              <a:spcBef>
+                <a:spcPct val="0"/>
+              </a:spcBef>
+              <a:spcAft>
+                <a:spcPct val="0"/>
+              </a:spcAft>
+            </a:pPr>
+            <a:r>
+              <a:rPr sz="1600" b="0" i="0">
+                <a:solidFill>
+                  <a:srgbClr val="333333"/>
+                </a:solidFill>
+                <a:latin typeface="Tomorrow"/>
+                <a:ea typeface="Tomorrow"/>
+              </a:rPr>
+              <a:t>FaceMesh</a:t>
+            </a:r>
+            <a:endParaRPr sz="1600" b="0" i="0">
+              <a:solidFill>
+                <a:srgbClr val="333333"/>
+              </a:solidFill>
+              <a:latin typeface="Tomorrow"/>
+              <a:ea typeface="Tomorrow"/>
+            </a:endParaRPr>
+          </a:p>
+          <a:p>
+            <a:pPr marL="0" indent="0">
+              <a:spcBef>
+                <a:spcPct val="0"/>
+              </a:spcBef>
+              <a:spcAft>
+                <a:spcPct val="0"/>
+              </a:spcAft>
+            </a:pPr>
+            <a:r>
+              <a:rPr sz="1600" b="0" i="0">
+                <a:solidFill>
+                  <a:srgbClr val="333333"/>
+                </a:solidFill>
+                <a:latin typeface="Tomorrow"/>
+                <a:ea typeface="Tomorrow"/>
+              </a:rPr>
+              <a:t>Hand, Pose and Holistic Models</a:t>
+            </a:r>
+            <a:endParaRPr sz="1600" b="0" i="0">
+              <a:solidFill>
+                <a:srgbClr val="333333"/>
+              </a:solidFill>
+              <a:latin typeface="Tomorrow"/>
+              <a:ea typeface="Tomorrow"/>
+            </a:endParaRPr>
+          </a:p>
+          <a:p>
+            <a:pPr marL="0" indent="0">
+              <a:spcBef>
+                <a:spcPct val="0"/>
+              </a:spcBef>
+              <a:spcAft>
+                <a:spcPct val="0"/>
+              </a:spcAft>
+            </a:pPr>
+            <a:r>
+              <a:rPr sz="1600" b="0" i="0">
+                <a:solidFill>
+                  <a:srgbClr val="333333"/>
+                </a:solidFill>
+                <a:latin typeface="Tomorrow"/>
+                <a:ea typeface="Tomorrow"/>
+              </a:rPr>
+              <a:t>Assignment</a:t>
+            </a:r>
+            <a:endParaRPr sz="1600" b="0" i="0">
+              <a:solidFill>
+                <a:srgbClr val="333333"/>
+              </a:solidFill>
+              <a:latin typeface="Tomorrow"/>
+              <a:ea typeface="Tomorrow"/>
+            </a:endParaRPr>
+          </a:p>
+        </p:txBody>
+      </p:sp>
+    </p:spTree>
+  </p:cSld>
+  <p:clrMapOvr>
+    <a:masterClrMapping/>
+  </p:clrMapOvr>
+</p:sld>
+</file>
+
+<file path=ppt/slides/slide6.xml><?xml version="1.0" encoding="utf-8"?>
 <p:sld xmlns:a="http://schemas.openxmlformats.org/drawingml/2006/main" xmlns:r="http://schemas.openxmlformats.org/officeDocument/2006/relationships" xmlns:p="http://schemas.openxmlformats.org/presentationml/2006/main">
   <p:cSld>
     <p:spTree>
@@ -11192,7 +13466,7 @@
 </p:sld>
 </file>
 
-<file path=ppt/slides/slide4.xml><?xml version="1.0" encoding="utf-8"?>
+<file path=ppt/slides/slide7.xml><?xml version="1.0" encoding="utf-8"?>
 <p:sld xmlns:a="http://schemas.openxmlformats.org/drawingml/2006/main" xmlns:r="http://schemas.openxmlformats.org/officeDocument/2006/relationships" xmlns:p="http://schemas.openxmlformats.org/presentationml/2006/main">
   <p:cSld>
     <p:spTree>
@@ -11283,7 +13557,7 @@
 </p:sld>
 </file>
 
-<file path=ppt/slides/slide5.xml><?xml version="1.0" encoding="utf-8"?>
+<file path=ppt/slides/slide8.xml><?xml version="1.0" encoding="utf-8"?>
 <p:sld xmlns:a="http://schemas.openxmlformats.org/drawingml/2006/main" xmlns:r="http://schemas.openxmlformats.org/officeDocument/2006/relationships" xmlns:p="http://schemas.openxmlformats.org/presentationml/2006/main">
   <p:cSld>
     <p:spTree>
@@ -11397,7 +13671,7 @@
 </p:sld>
 </file>
 
-<file path=ppt/slides/slide6.xml><?xml version="1.0" encoding="utf-8"?>
+<file path=ppt/slides/slide9.xml><?xml version="1.0" encoding="utf-8"?>
 <p:sld xmlns:a="http://schemas.openxmlformats.org/drawingml/2006/main" xmlns:r="http://schemas.openxmlformats.org/officeDocument/2006/relationships" xmlns:p="http://schemas.openxmlformats.org/presentationml/2006/main">
   <p:cSld>
     <p:spTree>
@@ -11865,502 +14139,6 @@
               <a:latin typeface="Udemy Sans"/>
               <a:ea typeface="Udemy Sans"/>
             </a:endParaRPr>
-          </a:p>
-        </p:txBody>
-      </p:sp>
-    </p:spTree>
-  </p:cSld>
-  <p:clrMapOvr>
-    <a:masterClrMapping/>
-  </p:clrMapOvr>
-</p:sld>
-</file>
-
-<file path=ppt/slides/slide7.xml><?xml version="1.0" encoding="utf-8"?>
-<p:sld xmlns:a="http://schemas.openxmlformats.org/drawingml/2006/main" xmlns:r="http://schemas.openxmlformats.org/officeDocument/2006/relationships" xmlns:p="http://schemas.openxmlformats.org/presentationml/2006/main">
-  <p:cSld>
-    <p:spTree>
-      <p:nvGrpSpPr>
-        <p:cNvPr id="1" name=""/>
-        <p:cNvGrpSpPr/>
-        <p:nvPr/>
-      </p:nvGrpSpPr>
-      <p:grpSpPr/>
-      <p:sp>
-        <p:nvSpPr>
-          <p:cNvPr id="3" name="Text Box 2"/>
-          <p:cNvSpPr txBox="1"/>
-          <p:nvPr/>
-        </p:nvSpPr>
-        <p:spPr>
-          <a:xfrm>
-            <a:off x="294640" y="231457"/>
-            <a:ext cx="5080000" cy="5663565"/>
-          </a:xfrm>
-          <a:prstGeom prst="rect">
-            <a:avLst/>
-          </a:prstGeom>
-        </p:spPr>
-        <p:txBody>
-          <a:bodyPr>
-            <a:spAutoFit/>
-          </a:bodyPr>
-          <a:p>
-            <a:pPr>
-              <a:spcAft>
-                <a:spcPct val="60000"/>
-              </a:spcAft>
-            </a:pPr>
-            <a:r>
-              <a:rPr sz="2300" b="1"/>
-              <a:t>1. What is Computer Vision?</a:t>
-            </a:r>
-            <a:endParaRPr sz="2300" b="1"/>
-          </a:p>
-          <a:p>
-            <a:pPr>
-              <a:spcAft>
-                <a:spcPct val="60000"/>
-              </a:spcAft>
-            </a:pPr>
-            <a:r>
-              <a:rPr sz="2200" b="1"/>
-              <a:t>Definition:</a:t>
-            </a:r>
-            <a:endParaRPr sz="2200" b="1"/>
-          </a:p>
-          <a:p>
-            <a:r>
-              <a:rPr sz="1600"/>
-              <a:t>Computer Vision is a field of Artificial Intelligence (AI) that enables machines to interpret and understand visual data from the world, such as images and videos. It mimics human vision by processing, analyzing, and making decisions based on visual inputs.</a:t>
-            </a:r>
-            <a:endParaRPr sz="1600"/>
-          </a:p>
-          <a:p>
-            <a:pPr>
-              <a:spcAft>
-                <a:spcPct val="60000"/>
-              </a:spcAft>
-            </a:pPr>
-            <a:r>
-              <a:rPr sz="2200" b="1"/>
-              <a:t>Example:</a:t>
-            </a:r>
-            <a:endParaRPr sz="2200" b="1"/>
-          </a:p>
-          <a:p>
-            <a:pPr>
-              <a:buFont typeface="Arial" panose="020B0604020202020204"/>
-              <a:buChar char="•"/>
-            </a:pPr>
-            <a:r>
-              <a:rPr sz="1600"/>
-              <a:t>Face recognition in smartphones.</a:t>
-            </a:r>
-            <a:endParaRPr sz="1600"/>
-          </a:p>
-          <a:p>
-            <a:pPr>
-              <a:buFont typeface="Arial" panose="020B0604020202020204"/>
-              <a:buChar char="•"/>
-            </a:pPr>
-            <a:r>
-              <a:rPr sz="1600"/>
-              <a:t>Object detection in self-driving cars.</a:t>
-            </a:r>
-            <a:endParaRPr sz="1600"/>
-          </a:p>
-          <a:p>
-            <a:pPr>
-              <a:buFont typeface="Arial" panose="020B0604020202020204"/>
-              <a:buChar char="•"/>
-            </a:pPr>
-            <a:r>
-              <a:rPr sz="1600"/>
-              <a:t>Optical Character Recognition (OCR) to extract text from images.</a:t>
-            </a:r>
-            <a:endParaRPr sz="1600"/>
-          </a:p>
-          <a:p>
-            <a:pPr>
-              <a:spcAft>
-                <a:spcPct val="60000"/>
-              </a:spcAft>
-            </a:pPr>
-            <a:r>
-              <a:rPr sz="2200" b="1"/>
-              <a:t>Key Components:</a:t>
-            </a:r>
-            <a:endParaRPr sz="2200" b="1"/>
-          </a:p>
-          <a:p>
-            <a:pPr>
-              <a:buFont typeface="Arial" panose="020B0604020202020204"/>
-              <a:buChar char="•"/>
-            </a:pPr>
-            <a:r>
-              <a:rPr sz="1600"/>
-              <a:t>Image Processing</a:t>
-            </a:r>
-            <a:endParaRPr sz="1600"/>
-          </a:p>
-          <a:p>
-            <a:pPr>
-              <a:buFont typeface="Arial" panose="020B0604020202020204"/>
-              <a:buChar char="•"/>
-            </a:pPr>
-            <a:r>
-              <a:rPr sz="1600"/>
-              <a:t>Feature Extraction</a:t>
-            </a:r>
-            <a:endParaRPr sz="1600"/>
-          </a:p>
-          <a:p>
-            <a:pPr>
-              <a:buFont typeface="Arial" panose="020B0604020202020204"/>
-              <a:buChar char="•"/>
-            </a:pPr>
-            <a:r>
-              <a:rPr sz="1600"/>
-              <a:t>Pattern Recognition</a:t>
-            </a:r>
-            <a:endParaRPr sz="1600"/>
-          </a:p>
-          <a:p>
-            <a:pPr>
-              <a:buFont typeface="Arial" panose="020B0604020202020204"/>
-              <a:buChar char="•"/>
-            </a:pPr>
-            <a:r>
-              <a:rPr sz="1600"/>
-              <a:t>Machine Learning &amp; Deep Learning</a:t>
-            </a:r>
-            <a:endParaRPr sz="1600"/>
-          </a:p>
-        </p:txBody>
-      </p:sp>
-    </p:spTree>
-  </p:cSld>
-  <p:clrMapOvr>
-    <a:masterClrMapping/>
-  </p:clrMapOvr>
-</p:sld>
-</file>
-
-<file path=ppt/slides/slide8.xml><?xml version="1.0" encoding="utf-8"?>
-<p:sld xmlns:a="http://schemas.openxmlformats.org/drawingml/2006/main" xmlns:r="http://schemas.openxmlformats.org/officeDocument/2006/relationships" xmlns:p="http://schemas.openxmlformats.org/presentationml/2006/main">
-  <p:cSld>
-    <p:spTree>
-      <p:nvGrpSpPr>
-        <p:cNvPr id="1" name=""/>
-        <p:cNvGrpSpPr/>
-        <p:nvPr/>
-      </p:nvGrpSpPr>
-      <p:grpSpPr/>
-      <p:sp>
-        <p:nvSpPr>
-          <p:cNvPr id="2" name="Text Box 1"/>
-          <p:cNvSpPr txBox="1"/>
-          <p:nvPr/>
-        </p:nvSpPr>
-        <p:spPr>
-          <a:xfrm>
-            <a:off x="429895" y="167640"/>
-            <a:ext cx="5080000" cy="3658870"/>
-          </a:xfrm>
-          <a:prstGeom prst="rect">
-            <a:avLst/>
-          </a:prstGeom>
-        </p:spPr>
-        <p:txBody>
-          <a:bodyPr>
-            <a:spAutoFit/>
-          </a:bodyPr>
-          <a:p>
-            <a:pPr>
-              <a:spcAft>
-                <a:spcPct val="60000"/>
-              </a:spcAft>
-            </a:pPr>
-            <a:r>
-              <a:rPr sz="2300" b="1"/>
-              <a:t>2. History of Computer Vision</a:t>
-            </a:r>
-            <a:endParaRPr sz="2300" b="1"/>
-          </a:p>
-          <a:p>
-            <a:pPr>
-              <a:buFont typeface="Arial" panose="020B0604020202020204"/>
-              <a:buChar char="•"/>
-            </a:pPr>
-            <a:r>
-              <a:rPr sz="1600"/>
-              <a:t>1960s: Initial research began with image processing and pattern recognition.</a:t>
-            </a:r>
-            <a:endParaRPr sz="1600"/>
-          </a:p>
-          <a:p>
-            <a:pPr>
-              <a:buFont typeface="Arial" panose="020B0604020202020204"/>
-              <a:buChar char="•"/>
-            </a:pPr>
-            <a:r>
-              <a:rPr sz="1600"/>
-              <a:t>1970s: Development of edge detection techniques like Sobel and Canny.</a:t>
-            </a:r>
-            <a:endParaRPr sz="1600"/>
-          </a:p>
-          <a:p>
-            <a:pPr>
-              <a:buFont typeface="Arial" panose="020B0604020202020204"/>
-              <a:buChar char="•"/>
-            </a:pPr>
-            <a:r>
-              <a:rPr sz="1600"/>
-              <a:t>1980s: Emergence of neural networks for image recognition.</a:t>
-            </a:r>
-            <a:endParaRPr sz="1600"/>
-          </a:p>
-          <a:p>
-            <a:pPr>
-              <a:buFont typeface="Arial" panose="020B0604020202020204"/>
-              <a:buChar char="•"/>
-            </a:pPr>
-            <a:r>
-              <a:rPr sz="1600"/>
-              <a:t>1990s: Evolution of robust feature extraction techniques like SIFT and SURF.</a:t>
-            </a:r>
-            <a:endParaRPr sz="1600"/>
-          </a:p>
-          <a:p>
-            <a:pPr>
-              <a:buFont typeface="Arial" panose="020B0604020202020204"/>
-              <a:buChar char="•"/>
-            </a:pPr>
-            <a:r>
-              <a:rPr sz="1600"/>
-              <a:t>2000s: Introduction of deep learning models like Convolutional Neural Networks (CNNs).</a:t>
-            </a:r>
-            <a:endParaRPr sz="1600"/>
-          </a:p>
-          <a:p>
-            <a:pPr>
-              <a:buFont typeface="Arial" panose="020B0604020202020204"/>
-              <a:buChar char="•"/>
-            </a:pPr>
-            <a:r>
-              <a:rPr sz="1600"/>
-              <a:t>2010s-Present: Advances in AI, deep learning, and frameworks like OpenCV, TensorFlow, and PyTorch.</a:t>
-            </a:r>
-            <a:endParaRPr sz="1600"/>
-          </a:p>
-        </p:txBody>
-      </p:sp>
-    </p:spTree>
-  </p:cSld>
-  <p:clrMapOvr>
-    <a:masterClrMapping/>
-  </p:clrMapOvr>
-</p:sld>
-</file>
-
-<file path=ppt/slides/slide9.xml><?xml version="1.0" encoding="utf-8"?>
-<p:sld xmlns:a="http://schemas.openxmlformats.org/drawingml/2006/main" xmlns:r="http://schemas.openxmlformats.org/officeDocument/2006/relationships" xmlns:p="http://schemas.openxmlformats.org/presentationml/2006/main">
-  <p:cSld>
-    <p:spTree>
-      <p:nvGrpSpPr>
-        <p:cNvPr id="1" name=""/>
-        <p:cNvGrpSpPr/>
-        <p:nvPr/>
-      </p:nvGrpSpPr>
-      <p:grpSpPr/>
-      <p:sp>
-        <p:nvSpPr>
-          <p:cNvPr id="2" name="Text Box 1"/>
-          <p:cNvSpPr txBox="1"/>
-          <p:nvPr/>
-        </p:nvSpPr>
-        <p:spPr>
-          <a:xfrm>
-            <a:off x="356870" y="175578"/>
-            <a:ext cx="5080000" cy="5525135"/>
-          </a:xfrm>
-          <a:prstGeom prst="rect">
-            <a:avLst/>
-          </a:prstGeom>
-        </p:spPr>
-        <p:txBody>
-          <a:bodyPr>
-            <a:spAutoFit/>
-          </a:bodyPr>
-          <a:p>
-            <a:pPr>
-              <a:spcAft>
-                <a:spcPct val="60000"/>
-              </a:spcAft>
-            </a:pPr>
-            <a:r>
-              <a:rPr sz="2300" b="1"/>
-              <a:t>3. Tools &amp; Technology Used in Computer Vision</a:t>
-            </a:r>
-            <a:endParaRPr sz="2300" b="1"/>
-          </a:p>
-          <a:p>
-            <a:pPr>
-              <a:spcAft>
-                <a:spcPct val="60000"/>
-              </a:spcAft>
-            </a:pPr>
-            <a:r>
-              <a:rPr sz="2200" b="1"/>
-              <a:t>Programming Languages:</a:t>
-            </a:r>
-            <a:endParaRPr sz="2200" b="1"/>
-          </a:p>
-          <a:p>
-            <a:pPr>
-              <a:buFont typeface="Arial" panose="020B0604020202020204"/>
-              <a:buChar char="•"/>
-            </a:pPr>
-            <a:r>
-              <a:rPr sz="1600"/>
-              <a:t>Python (Most popular)</a:t>
-            </a:r>
-            <a:endParaRPr sz="1600"/>
-          </a:p>
-          <a:p>
-            <a:pPr>
-              <a:buFont typeface="Arial" panose="020B0604020202020204"/>
-              <a:buChar char="•"/>
-            </a:pPr>
-            <a:r>
-              <a:rPr sz="1600"/>
-              <a:t>C++</a:t>
-            </a:r>
-            <a:endParaRPr sz="1600"/>
-          </a:p>
-          <a:p>
-            <a:pPr>
-              <a:buFont typeface="Arial" panose="020B0604020202020204"/>
-              <a:buChar char="•"/>
-            </a:pPr>
-            <a:r>
-              <a:rPr sz="1600"/>
-              <a:t>MATLAB</a:t>
-            </a:r>
-            <a:endParaRPr sz="1600"/>
-          </a:p>
-          <a:p>
-            <a:pPr>
-              <a:buFont typeface="Arial" panose="020B0604020202020204"/>
-              <a:buChar char="•"/>
-            </a:pPr>
-            <a:r>
-              <a:rPr sz="1600"/>
-              <a:t>Java</a:t>
-            </a:r>
-            <a:endParaRPr sz="1600"/>
-          </a:p>
-          <a:p>
-            <a:pPr>
-              <a:spcAft>
-                <a:spcPct val="60000"/>
-              </a:spcAft>
-            </a:pPr>
-            <a:r>
-              <a:rPr sz="2200" b="1"/>
-              <a:t>Libraries &amp; Frameworks:</a:t>
-            </a:r>
-            <a:endParaRPr sz="2200" b="1"/>
-          </a:p>
-          <a:p>
-            <a:pPr>
-              <a:buFont typeface="Arial" panose="020B0604020202020204"/>
-              <a:buChar char="•"/>
-            </a:pPr>
-            <a:r>
-              <a:rPr sz="1600"/>
-              <a:t>OpenCV: Image processing and computer vision tasks.</a:t>
-            </a:r>
-            <a:endParaRPr sz="1600"/>
-          </a:p>
-          <a:p>
-            <a:pPr>
-              <a:buFont typeface="Arial" panose="020B0604020202020204"/>
-              <a:buChar char="•"/>
-            </a:pPr>
-            <a:r>
-              <a:rPr sz="1600"/>
-              <a:t>TensorFlow/Keras: Deep learning-based vision models.</a:t>
-            </a:r>
-            <a:endParaRPr sz="1600"/>
-          </a:p>
-          <a:p>
-            <a:pPr>
-              <a:buFont typeface="Arial" panose="020B0604020202020204"/>
-              <a:buChar char="•"/>
-            </a:pPr>
-            <a:r>
-              <a:rPr sz="1600"/>
-              <a:t>PyTorch: Neural network training and deployment.</a:t>
-            </a:r>
-            <a:endParaRPr sz="1600"/>
-          </a:p>
-          <a:p>
-            <a:pPr>
-              <a:buFont typeface="Arial" panose="020B0604020202020204"/>
-              <a:buChar char="•"/>
-            </a:pPr>
-            <a:r>
-              <a:rPr sz="1600"/>
-              <a:t>Dlib: Facial recognition and feature extraction.</a:t>
-            </a:r>
-            <a:endParaRPr sz="1600"/>
-          </a:p>
-          <a:p>
-            <a:pPr>
-              <a:spcAft>
-                <a:spcPct val="60000"/>
-              </a:spcAft>
-            </a:pPr>
-            <a:r>
-              <a:rPr sz="2200" b="1"/>
-              <a:t>Hardware:</a:t>
-            </a:r>
-            <a:endParaRPr sz="2200" b="1"/>
-          </a:p>
-          <a:p>
-            <a:pPr>
-              <a:buFont typeface="Arial" panose="020B0604020202020204"/>
-              <a:buChar char="•"/>
-            </a:pPr>
-            <a:r>
-              <a:rPr sz="1600"/>
-              <a:t>GPUs (for deep learning models)</a:t>
-            </a:r>
-            <a:endParaRPr sz="1600"/>
-          </a:p>
-          <a:p>
-            <a:pPr>
-              <a:buFont typeface="Arial" panose="020B0604020202020204"/>
-              <a:buChar char="•"/>
-            </a:pPr>
-            <a:r>
-              <a:rPr sz="1600"/>
-              <a:t>Edge devices (NVIDIA Jetson, Raspberry Pi)</a:t>
-            </a:r>
-            <a:endParaRPr sz="1600"/>
-          </a:p>
-          <a:p>
-            <a:pPr>
-              <a:buFont typeface="Arial" panose="020B0604020202020204"/>
-              <a:buChar char="•"/>
-            </a:pPr>
-            <a:r>
-              <a:rPr sz="1600"/>
-              <a:t>Cameras (RGB, infrared, depth cameras)</a:t>
-            </a:r>
-            <a:endParaRPr sz="1600"/>
           </a:p>
         </p:txBody>
       </p:sp>

--- a/9.Deep_learning/cv/computer_vision.pptx
+++ b/9.Deep_learning/cv/computer_vision.pptx
@@ -4068,8 +4068,8 @@
         </p:nvSpPr>
         <p:spPr>
           <a:xfrm>
-            <a:off x="389255" y="297815"/>
-            <a:ext cx="5381625" cy="4291330"/>
+            <a:off x="325755" y="62230"/>
+            <a:ext cx="5169535" cy="4281805"/>
           </a:xfrm>
           <a:prstGeom prst="rect">
             <a:avLst/>
@@ -4077,7 +4077,7 @@
         </p:spPr>
         <p:txBody>
           <a:bodyPr wrap="square">
-            <a:spAutoFit/>
+            <a:noAutofit/>
           </a:bodyPr>
           <a:p>
             <a:pPr>
@@ -4152,6 +4152,302 @@
 blurred = cv2.GaussianBlur(resized, (5, 5), 0)</a:t>
             </a:r>
             <a:endParaRPr sz="1600"/>
+          </a:p>
+        </p:txBody>
+      </p:sp>
+      <p:sp>
+        <p:nvSpPr>
+          <p:cNvPr id="3" name="Text Box 2"/>
+          <p:cNvSpPr txBox="1"/>
+          <p:nvPr/>
+        </p:nvSpPr>
+        <p:spPr>
+          <a:xfrm>
+            <a:off x="473075" y="4662805"/>
+            <a:ext cx="4433570" cy="2030095"/>
+          </a:xfrm>
+          <a:prstGeom prst="rect">
+            <a:avLst/>
+          </a:prstGeom>
+          <a:noFill/>
+        </p:spPr>
+        <p:txBody>
+          <a:bodyPr wrap="square" rtlCol="0" anchor="t">
+            <a:spAutoFit/>
+          </a:bodyPr>
+          <a:p>
+            <a:r>
+              <a:rPr lang="en-US" altLang="en-US"/>
+              <a:t>https://docs.opencv.org/4.x/d7/d4d/tutorial_py_thresholding.html</a:t>
+            </a:r>
+            <a:endParaRPr lang="en-US"/>
+          </a:p>
+          <a:p>
+            <a:pPr marL="285750" indent="-285750">
+              <a:buFont typeface="Arial" panose="020B0604020202020204" pitchFamily="34" charset="0"/>
+              <a:buChar char="•"/>
+            </a:pPr>
+            <a:r>
+              <a:rPr lang="en-US" altLang="en-US"/>
+              <a:t>cv.THRESH_BINARY</a:t>
+            </a:r>
+            <a:endParaRPr lang="en-US" altLang="en-US"/>
+          </a:p>
+          <a:p>
+            <a:pPr marL="285750" indent="-285750">
+              <a:buFont typeface="Arial" panose="020B0604020202020204" pitchFamily="34" charset="0"/>
+              <a:buChar char="•"/>
+            </a:pPr>
+            <a:r>
+              <a:rPr lang="en-US" altLang="en-US"/>
+              <a:t>cv.THRESH_BINARY_INV</a:t>
+            </a:r>
+            <a:endParaRPr lang="en-US" altLang="en-US"/>
+          </a:p>
+          <a:p>
+            <a:pPr marL="285750" indent="-285750">
+              <a:buFont typeface="Arial" panose="020B0604020202020204" pitchFamily="34" charset="0"/>
+              <a:buChar char="•"/>
+            </a:pPr>
+            <a:r>
+              <a:rPr lang="en-US" altLang="en-US"/>
+              <a:t>cv.THRESH_TRUNC</a:t>
+            </a:r>
+            <a:endParaRPr lang="en-US" altLang="en-US"/>
+          </a:p>
+          <a:p>
+            <a:pPr marL="285750" indent="-285750">
+              <a:buFont typeface="Arial" panose="020B0604020202020204" pitchFamily="34" charset="0"/>
+              <a:buChar char="•"/>
+            </a:pPr>
+            <a:r>
+              <a:rPr lang="en-US" altLang="en-US"/>
+              <a:t>cv.THRESH_TOZERO</a:t>
+            </a:r>
+            <a:endParaRPr lang="en-US" altLang="en-US"/>
+          </a:p>
+          <a:p>
+            <a:pPr marL="285750" indent="-285750">
+              <a:buFont typeface="Arial" panose="020B0604020202020204" pitchFamily="34" charset="0"/>
+              <a:buChar char="•"/>
+            </a:pPr>
+            <a:r>
+              <a:rPr lang="en-US" altLang="en-US"/>
+              <a:t>cv.THRESH_TOZERO_INV</a:t>
+            </a:r>
+            <a:endParaRPr lang="en-US" altLang="en-US"/>
+          </a:p>
+        </p:txBody>
+      </p:sp>
+      <p:sp>
+        <p:nvSpPr>
+          <p:cNvPr id="4" name="Text Box 3"/>
+          <p:cNvSpPr txBox="1"/>
+          <p:nvPr/>
+        </p:nvSpPr>
+        <p:spPr>
+          <a:xfrm>
+            <a:off x="389255" y="4343718"/>
+            <a:ext cx="5080000" cy="398780"/>
+          </a:xfrm>
+          <a:prstGeom prst="rect">
+            <a:avLst/>
+          </a:prstGeom>
+        </p:spPr>
+        <p:txBody>
+          <a:bodyPr>
+            <a:spAutoFit/>
+          </a:bodyPr>
+          <a:p>
+            <a:pPr marL="0" indent="0">
+              <a:spcAft>
+                <a:spcPct val="60000"/>
+              </a:spcAft>
+            </a:pPr>
+            <a:r>
+              <a:rPr sz="2000" b="1" i="0">
+                <a:solidFill>
+                  <a:srgbClr val="FF0000"/>
+                </a:solidFill>
+                <a:effectLst>
+                  <a:outerShdw blurRad="38100" dist="38100" dir="2700000" algn="tl">
+                    <a:srgbClr val="000000">
+                      <a:alpha val="43137"/>
+                    </a:srgbClr>
+                  </a:outerShdw>
+                </a:effectLst>
+                <a:latin typeface="Helvetica"/>
+                <a:ea typeface="Helvetica"/>
+              </a:rPr>
+              <a:t>Simple Thresholding</a:t>
+            </a:r>
+            <a:endParaRPr sz="2000" b="1" i="0">
+              <a:solidFill>
+                <a:srgbClr val="FF0000"/>
+              </a:solidFill>
+              <a:effectLst>
+                <a:outerShdw blurRad="38100" dist="38100" dir="2700000" algn="tl">
+                  <a:srgbClr val="000000">
+                    <a:alpha val="43137"/>
+                  </a:srgbClr>
+                </a:outerShdw>
+              </a:effectLst>
+              <a:latin typeface="Helvetica"/>
+              <a:ea typeface="Helvetica"/>
+            </a:endParaRPr>
+          </a:p>
+        </p:txBody>
+      </p:sp>
+      <p:sp>
+        <p:nvSpPr>
+          <p:cNvPr id="5" name="Text Box 4"/>
+          <p:cNvSpPr txBox="1"/>
+          <p:nvPr/>
+        </p:nvSpPr>
+        <p:spPr>
+          <a:xfrm>
+            <a:off x="5494655" y="62230"/>
+            <a:ext cx="6697345" cy="6462395"/>
+          </a:xfrm>
+          <a:prstGeom prst="rect">
+            <a:avLst/>
+          </a:prstGeom>
+          <a:noFill/>
+        </p:spPr>
+        <p:txBody>
+          <a:bodyPr wrap="square" rtlCol="0" anchor="t">
+            <a:spAutoFit/>
+          </a:bodyPr>
+          <a:p>
+            <a:r>
+              <a:rPr lang="en-US" altLang="en-US"/>
+              <a:t>import cv2 as cv</a:t>
+            </a:r>
+            <a:endParaRPr lang="en-US" altLang="en-US"/>
+          </a:p>
+          <a:p>
+            <a:r>
+              <a:rPr lang="en-US" altLang="en-US"/>
+              <a:t>import numpy as np</a:t>
+            </a:r>
+            <a:endParaRPr lang="en-US" altLang="en-US"/>
+          </a:p>
+          <a:p>
+            <a:r>
+              <a:rPr lang="en-US" altLang="en-US"/>
+              <a:t>from matplotlib import pyplot as plt</a:t>
+            </a:r>
+            <a:endParaRPr lang="en-US" altLang="en-US"/>
+          </a:p>
+          <a:p>
+            <a:endParaRPr lang="en-US" altLang="en-US"/>
+          </a:p>
+          <a:p>
+            <a:r>
+              <a:rPr lang="en-US" altLang="en-US"/>
+              <a:t>img = cv.imread('gradient.png', cv.IMREAD_GRAYSCALE)</a:t>
+            </a:r>
+            <a:endParaRPr lang="en-US" altLang="en-US"/>
+          </a:p>
+          <a:p>
+            <a:r>
+              <a:rPr lang="en-US" altLang="en-US"/>
+              <a:t>assert img is not None, "file could not be read, check with os.path.exists()"</a:t>
+            </a:r>
+            <a:endParaRPr lang="en-US" altLang="en-US"/>
+          </a:p>
+          <a:p>
+            <a:r>
+              <a:rPr lang="en-US" altLang="en-US"/>
+              <a:t>ret,thresh1 = cv.threshold(img,127,255,cv.THRESH_BINARY)</a:t>
+            </a:r>
+            <a:endParaRPr lang="en-US" altLang="en-US"/>
+          </a:p>
+          <a:p>
+            <a:r>
+              <a:rPr lang="en-US" altLang="en-US"/>
+              <a:t>ret,thresh2 = cv.threshold(img,127,255,cv.THRESH_BINARY_INV)</a:t>
+            </a:r>
+            <a:endParaRPr lang="en-US" altLang="en-US"/>
+          </a:p>
+          <a:p>
+            <a:r>
+              <a:rPr lang="en-US" altLang="en-US"/>
+              <a:t>ret,thresh3 = cv.threshold(img,127,255,cv.THRESH_TRUNC)</a:t>
+            </a:r>
+            <a:endParaRPr lang="en-US" altLang="en-US"/>
+          </a:p>
+          <a:p>
+            <a:r>
+              <a:rPr lang="en-US" altLang="en-US"/>
+              <a:t>ret,thresh4 = cv.threshold(img,127,255,cv.THRESH_TOZERO)</a:t>
+            </a:r>
+            <a:endParaRPr lang="en-US" altLang="en-US"/>
+          </a:p>
+          <a:p>
+            <a:r>
+              <a:rPr lang="en-US" altLang="en-US"/>
+              <a:t>ret,thresh5 = cv.threshold(img,127,255,cv.THRESH_TOZERO_INV)</a:t>
+            </a:r>
+            <a:endParaRPr lang="en-US" altLang="en-US"/>
+          </a:p>
+          <a:p>
+            <a:endParaRPr lang="en-US" altLang="en-US"/>
+          </a:p>
+          <a:p>
+            <a:r>
+              <a:rPr lang="en-US" altLang="en-US"/>
+              <a:t>titles = ['Original Image','BINARY','BINARY_INV','TRUNC','TOZERO','TOZERO_INV']</a:t>
+            </a:r>
+            <a:endParaRPr lang="en-US" altLang="en-US"/>
+          </a:p>
+          <a:p>
+            <a:r>
+              <a:rPr lang="en-US" altLang="en-US"/>
+              <a:t>images = [img, thresh1, thresh2, thresh3, thresh4, thresh5]</a:t>
+            </a:r>
+            <a:endParaRPr lang="en-US" altLang="en-US"/>
+          </a:p>
+          <a:p>
+            <a:endParaRPr lang="en-US" altLang="en-US"/>
+          </a:p>
+          <a:p>
+            <a:r>
+              <a:rPr lang="en-US" altLang="en-US"/>
+              <a:t>for i in range(6):</a:t>
+            </a:r>
+            <a:endParaRPr lang="en-US" altLang="en-US"/>
+          </a:p>
+          <a:p>
+            <a:r>
+              <a:rPr lang="en-US" altLang="en-US"/>
+              <a:t>    plt.subplot(2,3,i+1),plt.imshow(images[i],'gray',vmin=0,vmax=255)</a:t>
+            </a:r>
+            <a:endParaRPr lang="en-US" altLang="en-US"/>
+          </a:p>
+          <a:p>
+            <a:r>
+              <a:rPr lang="en-US" altLang="en-US"/>
+              <a:t>    plt.title(titles[i])</a:t>
+            </a:r>
+            <a:endParaRPr lang="en-US" altLang="en-US"/>
+          </a:p>
+          <a:p>
+            <a:r>
+              <a:rPr lang="en-US" altLang="en-US"/>
+              <a:t>    plt.xticks([]),plt.yticks([])</a:t>
+            </a:r>
+            <a:endParaRPr lang="en-US" altLang="en-US"/>
+          </a:p>
+          <a:p>
+            <a:endParaRPr lang="en-US" altLang="en-US"/>
+          </a:p>
+          <a:p>
+            <a:r>
+              <a:rPr lang="en-US" altLang="en-US"/>
+              <a:t>plt.show()</a:t>
+            </a:r>
+            <a:endParaRPr lang="en-US"/>
           </a:p>
         </p:txBody>
       </p:sp>
@@ -13526,7 +13822,7 @@
         </p:nvSpPr>
         <p:spPr>
           <a:xfrm>
-            <a:off x="563880" y="105410"/>
+            <a:off x="354330" y="105410"/>
             <a:ext cx="4628515" cy="2614930"/>
           </a:xfrm>
           <a:prstGeom prst="rect">
